--- a/Data_Mining_Presentation.pptx
+++ b/Data_Mining_Presentation.pptx
@@ -5,16 +5,15 @@
     <p:sldMasterId id="2147483648" r:id="rId1"/>
   </p:sldMasterIdLst>
   <p:sldIdLst>
-    <p:sldId id="256" r:id="rId2"/>
-    <p:sldId id="264" r:id="rId3"/>
-    <p:sldId id="262" r:id="rId4"/>
-    <p:sldId id="257" r:id="rId5"/>
-    <p:sldId id="258" r:id="rId6"/>
-    <p:sldId id="259" r:id="rId7"/>
-    <p:sldId id="260" r:id="rId8"/>
-    <p:sldId id="261" r:id="rId9"/>
-    <p:sldId id="263" r:id="rId10"/>
-    <p:sldId id="265" r:id="rId11"/>
+    <p:sldId id="264" r:id="rId2"/>
+    <p:sldId id="262" r:id="rId3"/>
+    <p:sldId id="257" r:id="rId4"/>
+    <p:sldId id="258" r:id="rId5"/>
+    <p:sldId id="259" r:id="rId6"/>
+    <p:sldId id="260" r:id="rId7"/>
+    <p:sldId id="261" r:id="rId8"/>
+    <p:sldId id="263" r:id="rId9"/>
+    <p:sldId id="265" r:id="rId10"/>
   </p:sldIdLst>
   <p:sldSz cx="12192000" cy="6858000"/>
   <p:notesSz cx="6858000" cy="9144000"/>
@@ -113,7 +112,44 @@
       </a:defRPr>
     </a:lvl9pPr>
   </p:defaultTextStyle>
+  <p:extLst>
+    <p:ext uri="{EFAFB233-063F-42B5-8137-9DF3F51BA10A}">
+      <p15:sldGuideLst xmlns:p15="http://schemas.microsoft.com/office/powerpoint/2012/main"/>
+    </p:ext>
+  </p:extLst>
 </p:presentation>
+</file>
+
+<file path=ppt/authors.xml><?xml version="1.0" encoding="utf-8"?>
+<p188:authorLst xmlns:a="http://schemas.openxmlformats.org/drawingml/2006/main" xmlns:r="http://schemas.openxmlformats.org/officeDocument/2006/relationships" xmlns:p188="http://schemas.microsoft.com/office/powerpoint/2018/8/main">
+  <p188:author id="{DC273D4A-4464-67AC-D2A2-C692F29F8297}" name="Ale Maccario" initials="AM" userId="0a84242ed5cd7e4d" providerId="Windows Live"/>
+</p188:authorLst>
+</file>
+
+<file path=ppt/comments/modernComment_101_65AF74CF.xml><?xml version="1.0" encoding="utf-8"?>
+<p188:cmLst xmlns:a="http://schemas.openxmlformats.org/drawingml/2006/main" xmlns:r="http://schemas.openxmlformats.org/officeDocument/2006/relationships" xmlns:p188="http://schemas.microsoft.com/office/powerpoint/2018/8/main">
+  <p188:cm id="{570FCFFF-5196-4F69-8CA8-9FB487078E9E}" authorId="{DC273D4A-4464-67AC-D2A2-C692F29F8297}" created="2021-11-18T10:33:01.891">
+    <ac:txMkLst xmlns:ac="http://schemas.microsoft.com/office/drawing/2013/main/command">
+      <pc:docMk xmlns:pc="http://schemas.microsoft.com/office/powerpoint/2013/main/command"/>
+      <pc:sldMk xmlns:pc="http://schemas.microsoft.com/office/powerpoint/2013/main/command" cId="1705997519" sldId="257"/>
+      <ac:spMk id="2" creationId="{E8AECA9A-624D-4B42-B846-40540D4184AA}"/>
+      <ac:txMk cp="0" len="343">
+        <ac:context len="344" hash="4108438800"/>
+      </ac:txMk>
+    </ac:txMkLst>
+    <p188:pos x="11059886" y="391885"/>
+    <p188:txBody>
+      <a:bodyPr/>
+      <a:lstStyle/>
+      <a:p>
+        <a:r>
+          <a:rPr lang="it-IT"/>
+          <a:t>Da usare come testo parlato</a:t>
+        </a:r>
+      </a:p>
+    </p188:txBody>
+  </p188:cm>
+</p188:cmLst>
 </file>
 
 <file path=ppt/slideLayouts/slideLayout1.xml><?xml version="1.0" encoding="utf-8"?>
@@ -263,7 +299,7 @@
           <a:p>
             <a:fld id="{3A634F9E-6504-471C-B123-F882C2178F38}" type="datetimeFigureOut">
               <a:rPr lang="it-IT" smtClean="0"/>
-              <a:t>17/11/2021</a:t>
+              <a:t>18/11/2021</a:t>
             </a:fld>
             <a:endParaRPr lang="it-IT"/>
           </a:p>
@@ -461,7 +497,7 @@
           <a:p>
             <a:fld id="{3A634F9E-6504-471C-B123-F882C2178F38}" type="datetimeFigureOut">
               <a:rPr lang="it-IT" smtClean="0"/>
-              <a:t>17/11/2021</a:t>
+              <a:t>18/11/2021</a:t>
             </a:fld>
             <a:endParaRPr lang="it-IT"/>
           </a:p>
@@ -669,7 +705,7 @@
           <a:p>
             <a:fld id="{3A634F9E-6504-471C-B123-F882C2178F38}" type="datetimeFigureOut">
               <a:rPr lang="it-IT" smtClean="0"/>
-              <a:t>17/11/2021</a:t>
+              <a:t>18/11/2021</a:t>
             </a:fld>
             <a:endParaRPr lang="it-IT"/>
           </a:p>
@@ -867,7 +903,7 @@
           <a:p>
             <a:fld id="{3A634F9E-6504-471C-B123-F882C2178F38}" type="datetimeFigureOut">
               <a:rPr lang="it-IT" smtClean="0"/>
-              <a:t>17/11/2021</a:t>
+              <a:t>18/11/2021</a:t>
             </a:fld>
             <a:endParaRPr lang="it-IT"/>
           </a:p>
@@ -1142,7 +1178,7 @@
           <a:p>
             <a:fld id="{3A634F9E-6504-471C-B123-F882C2178F38}" type="datetimeFigureOut">
               <a:rPr lang="it-IT" smtClean="0"/>
-              <a:t>17/11/2021</a:t>
+              <a:t>18/11/2021</a:t>
             </a:fld>
             <a:endParaRPr lang="it-IT"/>
           </a:p>
@@ -1407,7 +1443,7 @@
           <a:p>
             <a:fld id="{3A634F9E-6504-471C-B123-F882C2178F38}" type="datetimeFigureOut">
               <a:rPr lang="it-IT" smtClean="0"/>
-              <a:t>17/11/2021</a:t>
+              <a:t>18/11/2021</a:t>
             </a:fld>
             <a:endParaRPr lang="it-IT"/>
           </a:p>
@@ -1819,7 +1855,7 @@
           <a:p>
             <a:fld id="{3A634F9E-6504-471C-B123-F882C2178F38}" type="datetimeFigureOut">
               <a:rPr lang="it-IT" smtClean="0"/>
-              <a:t>17/11/2021</a:t>
+              <a:t>18/11/2021</a:t>
             </a:fld>
             <a:endParaRPr lang="it-IT"/>
           </a:p>
@@ -1960,7 +1996,7 @@
           <a:p>
             <a:fld id="{3A634F9E-6504-471C-B123-F882C2178F38}" type="datetimeFigureOut">
               <a:rPr lang="it-IT" smtClean="0"/>
-              <a:t>17/11/2021</a:t>
+              <a:t>18/11/2021</a:t>
             </a:fld>
             <a:endParaRPr lang="it-IT"/>
           </a:p>
@@ -2073,7 +2109,7 @@
           <a:p>
             <a:fld id="{3A634F9E-6504-471C-B123-F882C2178F38}" type="datetimeFigureOut">
               <a:rPr lang="it-IT" smtClean="0"/>
-              <a:t>17/11/2021</a:t>
+              <a:t>18/11/2021</a:t>
             </a:fld>
             <a:endParaRPr lang="it-IT"/>
           </a:p>
@@ -2384,7 +2420,7 @@
           <a:p>
             <a:fld id="{3A634F9E-6504-471C-B123-F882C2178F38}" type="datetimeFigureOut">
               <a:rPr lang="it-IT" smtClean="0"/>
-              <a:t>17/11/2021</a:t>
+              <a:t>18/11/2021</a:t>
             </a:fld>
             <a:endParaRPr lang="it-IT"/>
           </a:p>
@@ -2672,7 +2708,7 @@
           <a:p>
             <a:fld id="{3A634F9E-6504-471C-B123-F882C2178F38}" type="datetimeFigureOut">
               <a:rPr lang="it-IT" smtClean="0"/>
-              <a:t>17/11/2021</a:t>
+              <a:t>18/11/2021</a:t>
             </a:fld>
             <a:endParaRPr lang="it-IT"/>
           </a:p>
@@ -2913,7 +2949,7 @@
           <a:p>
             <a:fld id="{3A634F9E-6504-471C-B123-F882C2178F38}" type="datetimeFigureOut">
               <a:rPr lang="it-IT" smtClean="0"/>
-              <a:t>17/11/2021</a:t>
+              <a:t>18/11/2021</a:t>
             </a:fld>
             <a:endParaRPr lang="it-IT"/>
           </a:p>
@@ -3330,113 +3366,22 @@
           <a:chExt cx="0" cy="0"/>
         </a:xfrm>
       </p:grpSpPr>
-      <p:pic>
-        <p:nvPicPr>
-          <p:cNvPr id="8" name="Immagine 7" descr="Immagine che contiene fungo, esterni, agarico&#10;&#10;Descrizione generata automaticamente">
-            <a:extLst>
-              <a:ext uri="{FF2B5EF4-FFF2-40B4-BE49-F238E27FC236}">
-                <a16:creationId xmlns:a16="http://schemas.microsoft.com/office/drawing/2014/main" id="{F38AFA72-AA78-4CF7-9D49-589F13B28CCF}"/>
-              </a:ext>
-            </a:extLst>
-          </p:cNvPr>
-          <p:cNvPicPr>
-            <a:picLocks noChangeAspect="1"/>
-          </p:cNvPicPr>
+      <p:sp>
+        <p:nvSpPr>
+          <p:cNvPr id="4" name="CasellaDiTesto 3">
+            <a:extLst>
+              <a:ext uri="{FF2B5EF4-FFF2-40B4-BE49-F238E27FC236}">
+                <a16:creationId xmlns:a16="http://schemas.microsoft.com/office/drawing/2014/main" id="{7EDC6651-457A-461B-BF8C-5873CA8A69EF}"/>
+              </a:ext>
+            </a:extLst>
+          </p:cNvPr>
+          <p:cNvSpPr txBox="1"/>
           <p:nvPr/>
-        </p:nvPicPr>
-        <p:blipFill>
-          <a:blip r:embed="rId2">
-            <a:extLst>
-              <a:ext uri="{28A0092B-C50C-407E-A947-70E740481C1C}">
-                <a14:useLocalDpi xmlns:a14="http://schemas.microsoft.com/office/drawing/2010/main" val="0"/>
-              </a:ext>
-            </a:extLst>
-          </a:blip>
-          <a:stretch>
-            <a:fillRect/>
-          </a:stretch>
-        </p:blipFill>
+        </p:nvSpPr>
         <p:spPr>
           <a:xfrm>
-            <a:off x="1904074" y="0"/>
-            <a:ext cx="10287926" cy="6858000"/>
-          </a:xfrm>
-          <a:prstGeom prst="rect">
-            <a:avLst/>
-          </a:prstGeom>
-        </p:spPr>
-      </p:pic>
-      <p:sp>
-        <p:nvSpPr>
-          <p:cNvPr id="9" name="Rettangolo 8">
-            <a:extLst>
-              <a:ext uri="{FF2B5EF4-FFF2-40B4-BE49-F238E27FC236}">
-                <a16:creationId xmlns:a16="http://schemas.microsoft.com/office/drawing/2014/main" id="{85F7154F-26A1-4D6F-A13C-C24E4B9036FF}"/>
-              </a:ext>
-            </a:extLst>
-          </p:cNvPr>
-          <p:cNvSpPr/>
-          <p:nvPr/>
-        </p:nvSpPr>
-        <p:spPr>
-          <a:xfrm>
-            <a:off x="1904074" y="0"/>
-            <a:ext cx="10287926" cy="6858000"/>
-          </a:xfrm>
-          <a:prstGeom prst="rect">
-            <a:avLst/>
-          </a:prstGeom>
-          <a:solidFill>
-            <a:schemeClr val="bg1">
-              <a:lumMod val="65000"/>
-              <a:alpha val="39000"/>
-            </a:schemeClr>
-          </a:solidFill>
-          <a:ln>
-            <a:noFill/>
-          </a:ln>
-        </p:spPr>
-        <p:style>
-          <a:lnRef idx="2">
-            <a:schemeClr val="accent1">
-              <a:shade val="50000"/>
-            </a:schemeClr>
-          </a:lnRef>
-          <a:fillRef idx="1">
-            <a:schemeClr val="accent1"/>
-          </a:fillRef>
-          <a:effectRef idx="0">
-            <a:schemeClr val="accent1"/>
-          </a:effectRef>
-          <a:fontRef idx="minor">
-            <a:schemeClr val="lt1"/>
-          </a:fontRef>
-        </p:style>
-        <p:txBody>
-          <a:bodyPr rtlCol="0" anchor="ctr"/>
-          <a:lstStyle/>
-          <a:p>
-            <a:pPr algn="ctr"/>
-            <a:endParaRPr lang="it-IT"/>
-          </a:p>
-        </p:txBody>
-      </p:sp>
-      <p:sp>
-        <p:nvSpPr>
-          <p:cNvPr id="4" name="CasellaDiTesto 3">
-            <a:extLst>
-              <a:ext uri="{FF2B5EF4-FFF2-40B4-BE49-F238E27FC236}">
-                <a16:creationId xmlns:a16="http://schemas.microsoft.com/office/drawing/2014/main" id="{7EDC6651-457A-461B-BF8C-5873CA8A69EF}"/>
-              </a:ext>
-            </a:extLst>
-          </p:cNvPr>
-          <p:cNvSpPr txBox="1"/>
-          <p:nvPr/>
-        </p:nvSpPr>
-        <p:spPr>
-          <a:xfrm>
-            <a:off x="2292927" y="239799"/>
-            <a:ext cx="8527473" cy="1077218"/>
+            <a:off x="3759201" y="252021"/>
+            <a:ext cx="5660572" cy="1569660"/>
           </a:xfrm>
           <a:prstGeom prst="rect">
             <a:avLst/>
@@ -3467,70 +3412,102 @@
               <a:t>THAT’S THE QUESTION.</a:t>
             </a:r>
           </a:p>
+          <a:p>
+            <a:endParaRPr lang="it-IT" sz="3200" dirty="0"/>
+          </a:p>
+        </p:txBody>
+      </p:sp>
+      <p:sp>
+        <p:nvSpPr>
+          <p:cNvPr id="5" name="CasellaDiTesto 4">
+            <a:extLst>
+              <a:ext uri="{FF2B5EF4-FFF2-40B4-BE49-F238E27FC236}">
+                <a16:creationId xmlns:a16="http://schemas.microsoft.com/office/drawing/2014/main" id="{8306229E-B6CB-4E2C-A958-9D8F770BD8E8}"/>
+              </a:ext>
+            </a:extLst>
+          </p:cNvPr>
+          <p:cNvSpPr txBox="1"/>
+          <p:nvPr/>
+        </p:nvSpPr>
+        <p:spPr>
+          <a:xfrm>
+            <a:off x="1163781" y="1641764"/>
+            <a:ext cx="10418619" cy="2185214"/>
+          </a:xfrm>
+          <a:prstGeom prst="rect">
+            <a:avLst/>
+          </a:prstGeom>
+          <a:noFill/>
+        </p:spPr>
+        <p:txBody>
+          <a:bodyPr wrap="square" rtlCol="0">
+            <a:spAutoFit/>
+          </a:bodyPr>
+          <a:lstStyle/>
+          <a:p>
+            <a:r>
+              <a:rPr lang="it-IT" sz="4000" dirty="0">
+                <a:effectLst/>
+                <a:latin typeface="Arial" panose="020B0604020202020204" pitchFamily="34" charset="0"/>
+              </a:rPr>
+              <a:t>ABOUT US</a:t>
+            </a:r>
+          </a:p>
+          <a:p>
+            <a:pPr marL="571500" indent="-571500">
+              <a:buFontTx/>
+              <a:buChar char="-"/>
+            </a:pPr>
+            <a:r>
+              <a:rPr lang="it-IT" sz="3200" dirty="0">
+                <a:latin typeface="Arial" panose="020B0604020202020204" pitchFamily="34" charset="0"/>
+              </a:rPr>
+              <a:t>(The Best) Iman Ras - 				12125048</a:t>
+            </a:r>
+          </a:p>
+          <a:p>
+            <a:pPr marL="571500" indent="-571500">
+              <a:buFontTx/>
+              <a:buChar char="-"/>
+            </a:pPr>
+            <a:r>
+              <a:rPr lang="it-IT" sz="3200" dirty="0">
+                <a:latin typeface="Arial" panose="020B0604020202020204" pitchFamily="34" charset="0"/>
+              </a:rPr>
+              <a:t>(The Clever) Camilla Vittoria Di Martino - 	12123965</a:t>
+            </a:r>
+          </a:p>
+          <a:p>
+            <a:pPr marL="571500" indent="-571500">
+              <a:buFontTx/>
+              <a:buChar char="-"/>
+            </a:pPr>
+            <a:r>
+              <a:rPr lang="it-IT" sz="3200" dirty="0">
+                <a:latin typeface="Arial" panose="020B0604020202020204" pitchFamily="34" charset="0"/>
+              </a:rPr>
+              <a:t>(The </a:t>
+            </a:r>
+            <a:r>
+              <a:rPr lang="it-IT" sz="3200" dirty="0" err="1">
+                <a:latin typeface="Arial" panose="020B0604020202020204" pitchFamily="34" charset="0"/>
+              </a:rPr>
+              <a:t>Wiser</a:t>
+            </a:r>
+            <a:r>
+              <a:rPr lang="it-IT" sz="3200" dirty="0">
+                <a:latin typeface="Arial" panose="020B0604020202020204" pitchFamily="34" charset="0"/>
+              </a:rPr>
+              <a:t>) Alessandro Maccario - 		12116666</a:t>
+            </a:r>
+            <a:endParaRPr lang="it-IT" sz="3200" dirty="0"/>
+          </a:p>
         </p:txBody>
       </p:sp>
     </p:spTree>
     <p:extLst>
       <p:ext uri="{BB962C8B-B14F-4D97-AF65-F5344CB8AC3E}">
-        <p14:creationId xmlns:p14="http://schemas.microsoft.com/office/powerpoint/2010/main" val="2302382201"/>
-      </p:ext>
-    </p:extLst>
-  </p:cSld>
-  <p:clrMapOvr>
-    <a:masterClrMapping/>
-  </p:clrMapOvr>
-</p:sld>
-</file>
-
-<file path=ppt/slides/slide10.xml><?xml version="1.0" encoding="utf-8"?>
-<p:sld xmlns:a="http://schemas.openxmlformats.org/drawingml/2006/main" xmlns:r="http://schemas.openxmlformats.org/officeDocument/2006/relationships" xmlns:p="http://schemas.openxmlformats.org/presentationml/2006/main">
-  <p:cSld>
-    <p:spTree>
-      <p:nvGrpSpPr>
-        <p:cNvPr id="1" name=""/>
-        <p:cNvGrpSpPr/>
-        <p:nvPr/>
-      </p:nvGrpSpPr>
-      <p:grpSpPr>
-        <a:xfrm>
-          <a:off x="0" y="0"/>
-          <a:ext cx="0" cy="0"/>
-          <a:chOff x="0" y="0"/>
-          <a:chExt cx="0" cy="0"/>
-        </a:xfrm>
-      </p:grpSpPr>
-      <p:sp>
-        <p:nvSpPr>
-          <p:cNvPr id="3" name="Segnaposto contenuto 2">
-            <a:extLst>
-              <a:ext uri="{FF2B5EF4-FFF2-40B4-BE49-F238E27FC236}">
-                <a16:creationId xmlns:a16="http://schemas.microsoft.com/office/drawing/2014/main" id="{46B4BF24-EED1-4CFC-8588-555D546E203A}"/>
-              </a:ext>
-            </a:extLst>
-          </p:cNvPr>
-          <p:cNvSpPr>
-            <a:spLocks noGrp="1"/>
-          </p:cNvSpPr>
-          <p:nvPr>
-            <p:ph idx="1"/>
-          </p:nvPr>
-        </p:nvSpPr>
-        <p:spPr/>
-        <p:txBody>
-          <a:bodyPr/>
-          <a:lstStyle/>
-          <a:p>
-            <a:r>
-              <a:rPr lang="it-IT" dirty="0"/>
-              <a:t>PREPARARE DISCORSO PER DIVIDERE PARTI TRA NOI TRE</a:t>
-            </a:r>
-          </a:p>
-        </p:txBody>
-      </p:sp>
-    </p:spTree>
-    <p:extLst>
-      <p:ext uri="{BB962C8B-B14F-4D97-AF65-F5344CB8AC3E}">
-        <p14:creationId xmlns:p14="http://schemas.microsoft.com/office/powerpoint/2010/main" val="130514653"/>
+        <p14:creationId xmlns:p14="http://schemas.microsoft.com/office/powerpoint/2010/main" val="1312511225"/>
       </p:ext>
     </p:extLst>
   </p:cSld>
@@ -3571,8 +3548,8 @@
         </p:nvSpPr>
         <p:spPr>
           <a:xfrm>
-            <a:off x="5430981" y="498764"/>
-            <a:ext cx="1330037" cy="707886"/>
+            <a:off x="4558145" y="498764"/>
+            <a:ext cx="4364182" cy="707886"/>
           </a:xfrm>
           <a:prstGeom prst="rect">
             <a:avLst/>
@@ -3586,20 +3563,228 @@
           <a:lstStyle/>
           <a:p>
             <a:r>
-              <a:rPr lang="it-IT" sz="4000" dirty="0">
-                <a:effectLst/>
-                <a:latin typeface="Arial" panose="020B0604020202020204" pitchFamily="34" charset="0"/>
-              </a:rPr>
-              <a:t>Title</a:t>
-            </a:r>
-            <a:endParaRPr lang="it-IT" sz="4000" dirty="0"/>
+              <a:rPr lang="it-IT" sz="4000" dirty="0"/>
+              <a:t>SELECTED PAPER</a:t>
+            </a:r>
+          </a:p>
+        </p:txBody>
+      </p:sp>
+      <p:sp>
+        <p:nvSpPr>
+          <p:cNvPr id="5" name="CasellaDiTesto 4">
+            <a:extLst>
+              <a:ext uri="{FF2B5EF4-FFF2-40B4-BE49-F238E27FC236}">
+                <a16:creationId xmlns:a16="http://schemas.microsoft.com/office/drawing/2014/main" id="{EF16D16C-BE88-4EFD-8426-EEEEB5B95736}"/>
+              </a:ext>
+            </a:extLst>
+          </p:cNvPr>
+          <p:cNvSpPr txBox="1"/>
+          <p:nvPr/>
+        </p:nvSpPr>
+        <p:spPr>
+          <a:xfrm>
+            <a:off x="2798618" y="1787236"/>
+            <a:ext cx="8575964" cy="2862322"/>
+          </a:xfrm>
+          <a:prstGeom prst="rect">
+            <a:avLst/>
+          </a:prstGeom>
+          <a:noFill/>
+        </p:spPr>
+        <p:txBody>
+          <a:bodyPr wrap="square" rtlCol="0">
+            <a:spAutoFit/>
+          </a:bodyPr>
+          <a:lstStyle/>
+          <a:p>
+            <a:pPr algn="l"/>
+            <a:r>
+              <a:rPr lang="it-IT" sz="1800" b="1" i="0" u="none" strike="noStrike" baseline="0" dirty="0" err="1">
+                <a:latin typeface="Corbel-Bold"/>
+              </a:rPr>
+              <a:t>Mushroom</a:t>
+            </a:r>
+            <a:r>
+              <a:rPr lang="it-IT" sz="1800" b="1" i="0" u="none" strike="noStrike" baseline="0" dirty="0">
+                <a:latin typeface="Corbel-Bold"/>
+              </a:rPr>
+              <a:t> data </a:t>
+            </a:r>
+            <a:r>
+              <a:rPr lang="it-IT" sz="1800" b="1" i="0" u="none" strike="noStrike" baseline="0" dirty="0" err="1">
+                <a:latin typeface="Corbel-Bold"/>
+              </a:rPr>
+              <a:t>creation</a:t>
+            </a:r>
+            <a:r>
+              <a:rPr lang="it-IT" sz="1800" b="1" i="0" u="none" strike="noStrike" baseline="0" dirty="0">
+                <a:latin typeface="Corbel-Bold"/>
+              </a:rPr>
+              <a:t>, </a:t>
+            </a:r>
+            <a:r>
+              <a:rPr lang="it-IT" sz="1800" b="1" i="0" u="none" strike="noStrike" baseline="0" dirty="0" err="1">
+                <a:latin typeface="Corbel-Bold"/>
+              </a:rPr>
+              <a:t>curation</a:t>
+            </a:r>
+            <a:r>
+              <a:rPr lang="it-IT" sz="1800" b="1" i="0" u="none" strike="noStrike" baseline="0" dirty="0">
+                <a:latin typeface="Corbel-Bold"/>
+              </a:rPr>
+              <a:t>, and </a:t>
+            </a:r>
+            <a:r>
+              <a:rPr lang="it-IT" sz="1800" b="1" i="0" u="none" strike="noStrike" baseline="0" dirty="0" err="1">
+                <a:latin typeface="Corbel-Bold"/>
+              </a:rPr>
+              <a:t>simulation</a:t>
+            </a:r>
+            <a:r>
+              <a:rPr lang="it-IT" sz="1800" b="1" i="0" u="none" strike="noStrike" baseline="0" dirty="0">
+                <a:latin typeface="Corbel-Bold"/>
+              </a:rPr>
+              <a:t> to support </a:t>
+            </a:r>
+            <a:r>
+              <a:rPr lang="it-IT" sz="1800" b="1" i="0" u="none" strike="noStrike" baseline="0" dirty="0" err="1">
+                <a:latin typeface="Corbel-Bold"/>
+              </a:rPr>
+              <a:t>classification</a:t>
+            </a:r>
+            <a:r>
+              <a:rPr lang="it-IT" sz="1800" b="1" i="0" u="none" strike="noStrike" baseline="0" dirty="0">
+                <a:latin typeface="Corbel-Bold"/>
+              </a:rPr>
+              <a:t> tasks.</a:t>
+            </a:r>
+          </a:p>
+          <a:p>
+            <a:pPr algn="l"/>
+            <a:endParaRPr lang="it-IT" b="1" dirty="0">
+              <a:latin typeface="Corbel-Bold"/>
+            </a:endParaRPr>
+          </a:p>
+          <a:p>
+            <a:pPr algn="l"/>
+            <a:r>
+              <a:rPr lang="de-DE" sz="1800" b="1" i="0" u="none" strike="noStrike" baseline="0" dirty="0" err="1">
+                <a:latin typeface="Corbel-Bold"/>
+              </a:rPr>
+              <a:t>Written</a:t>
+            </a:r>
+            <a:r>
+              <a:rPr lang="de-DE" sz="1800" b="1" i="0" u="none" strike="noStrike" baseline="0" dirty="0">
+                <a:latin typeface="Corbel-Bold"/>
+              </a:rPr>
+              <a:t> </a:t>
+            </a:r>
+            <a:r>
+              <a:rPr lang="de-DE" b="1" dirty="0" err="1">
+                <a:latin typeface="Corbel-Bold"/>
+              </a:rPr>
+              <a:t>by</a:t>
+            </a:r>
+            <a:r>
+              <a:rPr lang="de-DE" b="1" dirty="0">
+                <a:latin typeface="Corbel-Bold"/>
+              </a:rPr>
+              <a:t>: </a:t>
+            </a:r>
+            <a:r>
+              <a:rPr lang="de-DE" sz="1800" b="1" i="0" u="none" strike="noStrike" baseline="0" dirty="0">
+                <a:latin typeface="Corbel-Bold"/>
+              </a:rPr>
+              <a:t>Dennis Wagner, Dominik Heider &amp; Georges </a:t>
+            </a:r>
+            <a:r>
+              <a:rPr lang="de-DE" sz="1800" b="1" i="0" u="none" strike="noStrike" baseline="0" dirty="0" err="1">
+                <a:latin typeface="Corbel-Bold"/>
+              </a:rPr>
+              <a:t>Hattab</a:t>
+            </a:r>
+            <a:endParaRPr lang="de-DE" dirty="0">
+              <a:latin typeface="Wingdings-Regular"/>
+            </a:endParaRPr>
+          </a:p>
+          <a:p>
+            <a:pPr algn="l"/>
+            <a:endParaRPr lang="de-DE" dirty="0">
+              <a:latin typeface="Wingdings-Regular"/>
+            </a:endParaRPr>
+          </a:p>
+          <a:p>
+            <a:pPr algn="l"/>
+            <a:r>
+              <a:rPr lang="it-IT" sz="1800" b="0" i="0" u="none" strike="noStrike" baseline="0" dirty="0">
+                <a:latin typeface="Corbel2"/>
+                <a:hlinkClick r:id="rId2"/>
+              </a:rPr>
+              <a:t>www.nature.com/scientificreports</a:t>
+            </a:r>
+            <a:endParaRPr lang="de-DE" sz="1800" b="0" i="0" u="none" strike="noStrike" baseline="0" dirty="0">
+              <a:latin typeface="Wingdings-Regular"/>
+            </a:endParaRPr>
+          </a:p>
+          <a:p>
+            <a:pPr algn="l"/>
+            <a:endParaRPr lang="de-DE" dirty="0">
+              <a:latin typeface="Wingdings-Regular"/>
+            </a:endParaRPr>
+          </a:p>
+          <a:p>
+            <a:pPr algn="l"/>
+            <a:endParaRPr lang="de-DE" dirty="0">
+              <a:latin typeface="Wingdings-Regular"/>
+            </a:endParaRPr>
+          </a:p>
+          <a:p>
+            <a:pPr algn="l"/>
+            <a:r>
+              <a:rPr lang="en-US" dirty="0"/>
+              <a:t>Wagner, D., Heider, D. &amp; </a:t>
+            </a:r>
+            <a:r>
+              <a:rPr lang="en-US" dirty="0" err="1"/>
+              <a:t>Hattab</a:t>
+            </a:r>
+            <a:r>
+              <a:rPr lang="en-US" dirty="0"/>
+              <a:t>, G. Mushroom data creation, curation, and simulation to support classification tasks. </a:t>
+            </a:r>
+            <a:r>
+              <a:rPr lang="en-US" i="1" dirty="0"/>
+              <a:t>Sci Rep</a:t>
+            </a:r>
+            <a:r>
+              <a:rPr lang="en-US" dirty="0"/>
+              <a:t> </a:t>
+            </a:r>
+            <a:r>
+              <a:rPr lang="en-US" b="1" dirty="0"/>
+              <a:t>11, </a:t>
+            </a:r>
+            <a:r>
+              <a:rPr lang="en-US" dirty="0"/>
+              <a:t>8134 (2021). </a:t>
+            </a:r>
+          </a:p>
+          <a:p>
+            <a:pPr algn="l"/>
+            <a:r>
+              <a:rPr lang="en-US" dirty="0">
+                <a:hlinkClick r:id="rId3"/>
+              </a:rPr>
+              <a:t>https://doi.org/10.1038/s41598-021-87602-3</a:t>
+            </a:r>
+            <a:endParaRPr lang="en-US" dirty="0"/>
           </a:p>
         </p:txBody>
       </p:sp>
     </p:spTree>
     <p:extLst>
       <p:ext uri="{BB962C8B-B14F-4D97-AF65-F5344CB8AC3E}">
-        <p14:creationId xmlns:p14="http://schemas.microsoft.com/office/powerpoint/2010/main" val="1312511225"/>
+        <p14:creationId xmlns:p14="http://schemas.microsoft.com/office/powerpoint/2010/main" val="3233690073"/>
       </p:ext>
     </p:extLst>
   </p:cSld>
@@ -3631,7 +3816,7 @@
           <p:cNvPr id="4" name="CasellaDiTesto 3">
             <a:extLst>
               <a:ext uri="{FF2B5EF4-FFF2-40B4-BE49-F238E27FC236}">
-                <a16:creationId xmlns:a16="http://schemas.microsoft.com/office/drawing/2014/main" id="{7EDC6651-457A-461B-BF8C-5873CA8A69EF}"/>
+                <a16:creationId xmlns:a16="http://schemas.microsoft.com/office/drawing/2014/main" id="{E5BD206A-1A4E-4099-95A3-C6B4B25710F2}"/>
               </a:ext>
             </a:extLst>
           </p:cNvPr>
@@ -3640,8 +3825,8 @@
         </p:nvSpPr>
         <p:spPr>
           <a:xfrm>
-            <a:off x="4558145" y="498764"/>
-            <a:ext cx="4364182" cy="707886"/>
+            <a:off x="3657599" y="803564"/>
+            <a:ext cx="5306294" cy="707886"/>
           </a:xfrm>
           <a:prstGeom prst="rect">
             <a:avLst/>
@@ -3655,18 +3840,22 @@
           <a:lstStyle/>
           <a:p>
             <a:r>
+              <a:rPr lang="it-IT" sz="4000" dirty="0" err="1"/>
+              <a:t>Motivation</a:t>
+            </a:r>
+            <a:r>
               <a:rPr lang="it-IT" sz="4000" dirty="0"/>
-              <a:t>SELECTED PAPER</a:t>
-            </a:r>
-          </a:p>
-        </p:txBody>
-      </p:sp>
-      <p:sp>
-        <p:nvSpPr>
-          <p:cNvPr id="5" name="CasellaDiTesto 4">
-            <a:extLst>
-              <a:ext uri="{FF2B5EF4-FFF2-40B4-BE49-F238E27FC236}">
-                <a16:creationId xmlns:a16="http://schemas.microsoft.com/office/drawing/2014/main" id="{EF16D16C-BE88-4EFD-8426-EEEEB5B95736}"/>
+              <a:t>/Obiettivi</a:t>
+            </a:r>
+          </a:p>
+        </p:txBody>
+      </p:sp>
+      <p:sp>
+        <p:nvSpPr>
+          <p:cNvPr id="7" name="CasellaDiTesto 6">
+            <a:extLst>
+              <a:ext uri="{FF2B5EF4-FFF2-40B4-BE49-F238E27FC236}">
+                <a16:creationId xmlns:a16="http://schemas.microsoft.com/office/drawing/2014/main" id="{ABAF1544-5966-4C13-BB57-4B51DBFF818C}"/>
               </a:ext>
             </a:extLst>
           </p:cNvPr>
@@ -3675,8 +3864,8 @@
         </p:nvSpPr>
         <p:spPr>
           <a:xfrm>
-            <a:off x="2798618" y="1787236"/>
-            <a:ext cx="8575964" cy="3970318"/>
+            <a:off x="526472" y="3429000"/>
+            <a:ext cx="11014364" cy="3139321"/>
           </a:xfrm>
           <a:prstGeom prst="rect">
             <a:avLst/>
@@ -3689,218 +3878,584 @@
           </a:bodyPr>
           <a:lstStyle/>
           <a:p>
-            <a:pPr algn="l"/>
-            <a:r>
-              <a:rPr lang="it-IT" sz="1800" b="1" i="0" u="none" strike="noStrike" baseline="0" dirty="0" err="1">
-                <a:latin typeface="Corbel-Bold"/>
+            <a:r>
+              <a:rPr lang="it-IT" dirty="0"/>
+              <a:t>I nostri obiettivi sono:</a:t>
+            </a:r>
+          </a:p>
+          <a:p>
+            <a:r>
+              <a:rPr lang="en-US" i="1" dirty="0">
+                <a:latin typeface="MinionPro-Regular"/>
+              </a:rPr>
+              <a:t>OUR</a:t>
+            </a:r>
+            <a:r>
+              <a:rPr lang="en-US" b="0" i="1" u="none" strike="noStrike" baseline="0" dirty="0">
+                <a:latin typeface="MinionPro-Regular"/>
+              </a:rPr>
+              <a:t> MOTIVATION</a:t>
+            </a:r>
+          </a:p>
+          <a:p>
+            <a:pPr marL="285750" indent="-285750">
+              <a:buFontTx/>
+              <a:buChar char="-"/>
+            </a:pPr>
+            <a:r>
+              <a:rPr lang="en-US" b="0" i="1" u="none" strike="noStrike" baseline="0" dirty="0">
+                <a:latin typeface="MinionPro-Regular"/>
+              </a:rPr>
+              <a:t>The reason why we chose this paper is the</a:t>
+            </a:r>
+            <a:r>
+              <a:rPr lang="en-US" i="1" u="none" strike="noStrike" baseline="0" dirty="0">
+                <a:latin typeface="MinionPro-Regular"/>
+              </a:rPr>
+              <a:t> peculiarity of mushrooms</a:t>
+            </a:r>
+            <a:r>
+              <a:rPr lang="en-US" b="0" i="1" u="none" strike="noStrike" baseline="0" dirty="0">
+                <a:latin typeface="MinionPro-Regular"/>
+              </a:rPr>
+              <a:t> classification in the real word, which is a problem existing in nature that is easier to be solved with machine learning techniques.</a:t>
+            </a:r>
+          </a:p>
+          <a:p>
+            <a:pPr marL="285750" indent="-285750">
+              <a:buFontTx/>
+              <a:buChar char="-"/>
+            </a:pPr>
+            <a:endParaRPr lang="en-US" i="1" dirty="0">
+              <a:latin typeface="MinionPro-Regular"/>
+            </a:endParaRPr>
+          </a:p>
+          <a:p>
+            <a:pPr marL="285750" indent="-285750">
+              <a:buFontTx/>
+              <a:buChar char="-"/>
+            </a:pPr>
+            <a:endParaRPr lang="en-US" b="0" i="1" u="none" strike="noStrike" baseline="0" dirty="0">
+              <a:latin typeface="MinionPro-Regular"/>
+            </a:endParaRPr>
+          </a:p>
+          <a:p>
+            <a:r>
+              <a:rPr lang="en-US" i="1" dirty="0">
+                <a:latin typeface="MinionPro-Regular"/>
+              </a:rPr>
+              <a:t>OUR MAIN OBJECTIVES:</a:t>
+            </a:r>
+            <a:endParaRPr lang="en-US" b="0" i="1" u="none" strike="noStrike" baseline="0" dirty="0">
+              <a:latin typeface="MinionPro-Regular"/>
+            </a:endParaRPr>
+          </a:p>
+          <a:p>
+            <a:pPr marL="285750" indent="-285750" algn="l">
+              <a:buFontTx/>
+              <a:buChar char="-"/>
+            </a:pPr>
+            <a:r>
+              <a:rPr lang="en-US" b="0" i="1" u="none" strike="noStrike" baseline="0" dirty="0">
+                <a:latin typeface="MinionPro-Regular"/>
+              </a:rPr>
+              <a:t>Crafting a workflow for </a:t>
+            </a:r>
+            <a:r>
+              <a:rPr lang="en-US" i="1" dirty="0">
+                <a:latin typeface="MinionPro-Regular"/>
+              </a:rPr>
+              <a:t>the aim of </a:t>
+            </a:r>
+            <a:r>
+              <a:rPr lang="en-US" b="0" i="1" u="none" strike="noStrike" baseline="0" dirty="0">
+                <a:latin typeface="MinionPro-Regular"/>
+              </a:rPr>
+              <a:t>binary classification and evaluation with the task to distinguish between poisonous and edible mushrooms. </a:t>
+            </a:r>
+          </a:p>
+          <a:p>
+            <a:pPr marL="285750" indent="-285750" algn="l">
+              <a:buFontTx/>
+              <a:buChar char="-"/>
+            </a:pPr>
+            <a:r>
+              <a:rPr lang="en-US" b="0" i="1" u="none" strike="noStrike" baseline="0" dirty="0">
+                <a:latin typeface="MinionPro-Regular"/>
+              </a:rPr>
+              <a:t>To accomplish this goals w</a:t>
+            </a:r>
+            <a:r>
+              <a:rPr lang="en-US" i="1" dirty="0">
+                <a:latin typeface="MinionPro-Regular"/>
+              </a:rPr>
+              <a:t>e use more types of classifiers to explore different approaches to try achieve better results compare to the ones obtained in the paper.</a:t>
+            </a:r>
+          </a:p>
+        </p:txBody>
+      </p:sp>
+      <p:sp>
+        <p:nvSpPr>
+          <p:cNvPr id="2" name="CasellaDiTesto 1">
+            <a:extLst>
+              <a:ext uri="{FF2B5EF4-FFF2-40B4-BE49-F238E27FC236}">
+                <a16:creationId xmlns:a16="http://schemas.microsoft.com/office/drawing/2014/main" id="{E8AECA9A-624D-4B42-B846-40540D4184AA}"/>
+              </a:ext>
+            </a:extLst>
+          </p:cNvPr>
+          <p:cNvSpPr txBox="1"/>
+          <p:nvPr/>
+        </p:nvSpPr>
+        <p:spPr>
+          <a:xfrm>
+            <a:off x="478971" y="1654629"/>
+            <a:ext cx="11074400" cy="923330"/>
+          </a:xfrm>
+          <a:prstGeom prst="rect">
+            <a:avLst/>
+          </a:prstGeom>
+          <a:noFill/>
+        </p:spPr>
+        <p:txBody>
+          <a:bodyPr wrap="square" rtlCol="0">
+            <a:spAutoFit/>
+          </a:bodyPr>
+          <a:lstStyle/>
+          <a:p>
+            <a:r>
+              <a:rPr lang="it-IT" dirty="0" err="1">
+                <a:solidFill>
+                  <a:srgbClr val="FF0000"/>
+                </a:solidFill>
               </a:rPr>
               <a:t>Mushroom</a:t>
             </a:r>
             <a:r>
-              <a:rPr lang="it-IT" sz="1800" b="1" i="0" u="none" strike="noStrike" baseline="0" dirty="0">
-                <a:latin typeface="Corbel-Bold"/>
-              </a:rPr>
-              <a:t> data </a:t>
-            </a:r>
-            <a:r>
-              <a:rPr lang="it-IT" sz="1800" b="1" i="0" u="none" strike="noStrike" baseline="0" dirty="0" err="1">
-                <a:latin typeface="Corbel-Bold"/>
-              </a:rPr>
-              <a:t>creation</a:t>
-            </a:r>
-            <a:r>
-              <a:rPr lang="it-IT" sz="1800" b="1" i="0" u="none" strike="noStrike" baseline="0" dirty="0">
-                <a:latin typeface="Corbel-Bold"/>
+              <a:rPr lang="it-IT" dirty="0">
+                <a:solidFill>
+                  <a:srgbClr val="FF0000"/>
+                </a:solidFill>
+              </a:rPr>
+              <a:t> </a:t>
+            </a:r>
+            <a:r>
+              <a:rPr lang="it-IT" dirty="0" err="1">
+                <a:solidFill>
+                  <a:srgbClr val="FF0000"/>
+                </a:solidFill>
+              </a:rPr>
+              <a:t>poisonings</a:t>
+            </a:r>
+            <a:r>
+              <a:rPr lang="it-IT" dirty="0">
+                <a:solidFill>
+                  <a:srgbClr val="FF0000"/>
+                </a:solidFill>
+              </a:rPr>
+              <a:t> are </a:t>
+            </a:r>
+            <a:r>
+              <a:rPr lang="it-IT" dirty="0" err="1">
+                <a:solidFill>
+                  <a:srgbClr val="FF0000"/>
+                </a:solidFill>
+              </a:rPr>
+              <a:t>caused</a:t>
+            </a:r>
+            <a:r>
+              <a:rPr lang="it-IT" dirty="0">
+                <a:solidFill>
+                  <a:srgbClr val="FF0000"/>
+                </a:solidFill>
+              </a:rPr>
+              <a:t> by an </a:t>
+            </a:r>
+            <a:r>
+              <a:rPr lang="it-IT" dirty="0" err="1">
+                <a:solidFill>
+                  <a:srgbClr val="FF0000"/>
+                </a:solidFill>
+              </a:rPr>
+              <a:t>incorrect</a:t>
+            </a:r>
+            <a:r>
+              <a:rPr lang="it-IT" dirty="0">
+                <a:solidFill>
+                  <a:srgbClr val="FF0000"/>
+                </a:solidFill>
+              </a:rPr>
+              <a:t> </a:t>
+            </a:r>
+            <a:r>
+              <a:rPr lang="it-IT" dirty="0" err="1">
+                <a:solidFill>
+                  <a:srgbClr val="FF0000"/>
+                </a:solidFill>
+              </a:rPr>
+              <a:t>classification</a:t>
+            </a:r>
+            <a:r>
+              <a:rPr lang="it-IT" dirty="0">
+                <a:solidFill>
+                  <a:srgbClr val="FF0000"/>
+                </a:solidFill>
+              </a:rPr>
+              <a:t> of the </a:t>
+            </a:r>
+            <a:r>
+              <a:rPr lang="it-IT" dirty="0" err="1">
+                <a:solidFill>
+                  <a:srgbClr val="FF0000"/>
+                </a:solidFill>
+              </a:rPr>
+              <a:t>species</a:t>
+            </a:r>
+            <a:r>
+              <a:rPr lang="it-IT" dirty="0">
+                <a:solidFill>
+                  <a:srgbClr val="FF0000"/>
+                </a:solidFill>
+              </a:rPr>
+              <a:t>; </a:t>
+            </a:r>
+            <a:r>
+              <a:rPr lang="it-IT" dirty="0" err="1">
+                <a:solidFill>
+                  <a:srgbClr val="FF0000"/>
+                </a:solidFill>
+              </a:rPr>
+              <a:t>toxins</a:t>
+            </a:r>
+            <a:r>
+              <a:rPr lang="it-IT" dirty="0">
+                <a:solidFill>
+                  <a:srgbClr val="FF0000"/>
+                </a:solidFill>
+              </a:rPr>
+              <a:t> can cause </a:t>
+            </a:r>
+            <a:r>
+              <a:rPr lang="it-IT" dirty="0" err="1">
+                <a:solidFill>
+                  <a:srgbClr val="FF0000"/>
+                </a:solidFill>
+              </a:rPr>
+              <a:t>different</a:t>
+            </a:r>
+            <a:r>
+              <a:rPr lang="it-IT" dirty="0">
+                <a:solidFill>
+                  <a:srgbClr val="FF0000"/>
+                </a:solidFill>
+              </a:rPr>
+              <a:t> </a:t>
+            </a:r>
+            <a:r>
+              <a:rPr lang="it-IT" dirty="0" err="1">
+                <a:solidFill>
+                  <a:srgbClr val="FF0000"/>
+                </a:solidFill>
+              </a:rPr>
+              <a:t>serous</a:t>
+            </a:r>
+            <a:r>
+              <a:rPr lang="it-IT" dirty="0">
+                <a:solidFill>
+                  <a:srgbClr val="FF0000"/>
+                </a:solidFill>
+              </a:rPr>
+              <a:t> </a:t>
+            </a:r>
+            <a:r>
+              <a:rPr lang="it-IT" dirty="0" err="1">
+                <a:solidFill>
+                  <a:srgbClr val="FF0000"/>
+                </a:solidFill>
+              </a:rPr>
+              <a:t>sndomres</a:t>
+            </a:r>
+            <a:r>
+              <a:rPr lang="it-IT" dirty="0">
+                <a:solidFill>
+                  <a:srgbClr val="FF0000"/>
+                </a:solidFill>
+              </a:rPr>
+              <a:t> </a:t>
+            </a:r>
+            <a:r>
+              <a:rPr lang="it-IT" dirty="0" err="1">
+                <a:solidFill>
+                  <a:srgbClr val="FF0000"/>
+                </a:solidFill>
+              </a:rPr>
+              <a:t>according</a:t>
+            </a:r>
+            <a:r>
+              <a:rPr lang="it-IT" dirty="0">
+                <a:solidFill>
+                  <a:srgbClr val="FF0000"/>
+                </a:solidFill>
+              </a:rPr>
+              <a:t> to the </a:t>
+            </a:r>
+            <a:r>
+              <a:rPr lang="it-IT" dirty="0" err="1">
+                <a:solidFill>
+                  <a:srgbClr val="FF0000"/>
+                </a:solidFill>
+              </a:rPr>
+              <a:t>quantity</a:t>
+            </a:r>
+            <a:r>
+              <a:rPr lang="it-IT" dirty="0">
+                <a:solidFill>
+                  <a:srgbClr val="FF0000"/>
+                </a:solidFill>
+              </a:rPr>
+              <a:t> </a:t>
+            </a:r>
+            <a:r>
+              <a:rPr lang="it-IT" dirty="0" err="1">
+                <a:solidFill>
+                  <a:srgbClr val="FF0000"/>
+                </a:solidFill>
+              </a:rPr>
+              <a:t>ingested</a:t>
+            </a:r>
+            <a:r>
+              <a:rPr lang="it-IT" dirty="0">
+                <a:solidFill>
+                  <a:srgbClr val="FF0000"/>
+                </a:solidFill>
+              </a:rPr>
+              <a:t>. In order to make the </a:t>
+            </a:r>
+            <a:r>
+              <a:rPr lang="it-IT" dirty="0" err="1">
+                <a:solidFill>
+                  <a:srgbClr val="FF0000"/>
+                </a:solidFill>
+              </a:rPr>
+              <a:t>right</a:t>
+            </a:r>
+            <a:r>
+              <a:rPr lang="it-IT" dirty="0">
+                <a:solidFill>
+                  <a:srgbClr val="FF0000"/>
+                </a:solidFill>
+              </a:rPr>
+              <a:t> </a:t>
+            </a:r>
+            <a:r>
+              <a:rPr lang="it-IT" dirty="0" err="1">
+                <a:solidFill>
+                  <a:srgbClr val="FF0000"/>
+                </a:solidFill>
+              </a:rPr>
+              <a:t>identificaion</a:t>
+            </a:r>
+            <a:r>
+              <a:rPr lang="it-IT" dirty="0">
+                <a:solidFill>
+                  <a:srgbClr val="FF0000"/>
+                </a:solidFill>
               </a:rPr>
               <a:t>, </a:t>
             </a:r>
             <a:r>
-              <a:rPr lang="it-IT" sz="1800" b="1" i="0" u="none" strike="noStrike" baseline="0" dirty="0" err="1">
-                <a:latin typeface="Corbel-Bold"/>
-              </a:rPr>
-              <a:t>curation</a:t>
-            </a:r>
-            <a:r>
-              <a:rPr lang="it-IT" sz="1800" b="1" i="0" u="none" strike="noStrike" baseline="0" dirty="0">
-                <a:latin typeface="Corbel-Bold"/>
-              </a:rPr>
-              <a:t>, and </a:t>
-            </a:r>
-            <a:r>
-              <a:rPr lang="it-IT" sz="1800" b="1" i="0" u="none" strike="noStrike" baseline="0" dirty="0" err="1">
-                <a:latin typeface="Corbel-Bold"/>
-              </a:rPr>
-              <a:t>simulation</a:t>
-            </a:r>
-            <a:r>
-              <a:rPr lang="it-IT" sz="1800" b="1" i="0" u="none" strike="noStrike" baseline="0" dirty="0">
-                <a:latin typeface="Corbel-Bold"/>
-              </a:rPr>
-              <a:t> to support </a:t>
-            </a:r>
-            <a:r>
-              <a:rPr lang="it-IT" sz="1800" b="1" i="0" u="none" strike="noStrike" baseline="0" dirty="0" err="1">
-                <a:latin typeface="Corbel-Bold"/>
-              </a:rPr>
-              <a:t>classification</a:t>
-            </a:r>
-            <a:r>
-              <a:rPr lang="it-IT" sz="1800" b="1" i="0" u="none" strike="noStrike" baseline="0" dirty="0">
-                <a:latin typeface="Corbel-Bold"/>
-              </a:rPr>
-              <a:t> tasks.</a:t>
-            </a:r>
-          </a:p>
-          <a:p>
-            <a:pPr algn="l"/>
-            <a:endParaRPr lang="it-IT" b="1" dirty="0">
-              <a:latin typeface="Corbel-Bold"/>
-            </a:endParaRPr>
-          </a:p>
-          <a:p>
-            <a:pPr algn="l"/>
-            <a:r>
-              <a:rPr lang="de-DE" sz="1800" b="1" i="0" u="none" strike="noStrike" baseline="0" dirty="0" err="1">
-                <a:latin typeface="Corbel-Bold"/>
-              </a:rPr>
-              <a:t>Written</a:t>
-            </a:r>
-            <a:r>
-              <a:rPr lang="de-DE" sz="1800" b="1" i="0" u="none" strike="noStrike" baseline="0" dirty="0">
-                <a:latin typeface="Corbel-Bold"/>
+              <a:rPr lang="it-IT" dirty="0" err="1">
+                <a:solidFill>
+                  <a:srgbClr val="FF0000"/>
+                </a:solidFill>
+              </a:rPr>
+              <a:t>we’re</a:t>
+            </a:r>
+            <a:r>
+              <a:rPr lang="it-IT" dirty="0">
+                <a:solidFill>
+                  <a:srgbClr val="FF0000"/>
+                </a:solidFill>
               </a:rPr>
               <a:t> </a:t>
             </a:r>
             <a:r>
-              <a:rPr lang="de-DE" b="1" dirty="0" err="1">
-                <a:latin typeface="Corbel-Bold"/>
-              </a:rPr>
-              <a:t>by</a:t>
-            </a:r>
-            <a:r>
-              <a:rPr lang="de-DE" b="1" dirty="0">
-                <a:latin typeface="Corbel-Bold"/>
-              </a:rPr>
-              <a:t>: </a:t>
-            </a:r>
-            <a:r>
-              <a:rPr lang="de-DE" sz="1800" b="1" i="0" u="none" strike="noStrike" baseline="0" dirty="0">
-                <a:latin typeface="Corbel-Bold"/>
-              </a:rPr>
-              <a:t>Dennis Wagner, Dominik Heider &amp; Georges </a:t>
-            </a:r>
-            <a:r>
-              <a:rPr lang="de-DE" sz="1800" b="1" i="0" u="none" strike="noStrike" baseline="0" dirty="0" err="1">
-                <a:latin typeface="Corbel-Bold"/>
-              </a:rPr>
-              <a:t>Hattab</a:t>
-            </a:r>
-            <a:endParaRPr lang="de-DE" dirty="0">
-              <a:latin typeface="Wingdings-Regular"/>
-            </a:endParaRPr>
-          </a:p>
-          <a:p>
-            <a:pPr algn="l"/>
-            <a:endParaRPr lang="de-DE" dirty="0">
-              <a:latin typeface="Wingdings-Regular"/>
-            </a:endParaRPr>
-          </a:p>
-          <a:p>
-            <a:pPr algn="l"/>
-            <a:r>
-              <a:rPr lang="it-IT" sz="1800" b="0" i="0" u="none" strike="noStrike" baseline="0" dirty="0">
-                <a:latin typeface="Corbel2"/>
-                <a:hlinkClick r:id="rId2"/>
-              </a:rPr>
-              <a:t>www.nature.com/scientificreports</a:t>
-            </a:r>
-            <a:endParaRPr lang="de-DE" sz="1800" b="0" i="0" u="none" strike="noStrike" baseline="0" dirty="0">
-              <a:latin typeface="Wingdings-Regular"/>
-            </a:endParaRPr>
-          </a:p>
-          <a:p>
-            <a:pPr algn="l"/>
-            <a:endParaRPr lang="de-DE" dirty="0">
-              <a:latin typeface="Wingdings-Regular"/>
-            </a:endParaRPr>
-          </a:p>
-          <a:p>
-            <a:pPr algn="l"/>
-            <a:endParaRPr lang="de-DE" dirty="0">
-              <a:latin typeface="Wingdings-Regular"/>
-            </a:endParaRPr>
-          </a:p>
-          <a:p>
-            <a:pPr algn="l"/>
-            <a:r>
-              <a:rPr lang="en-US" dirty="0"/>
-              <a:t>Wagner, D., Heider, D. &amp; </a:t>
-            </a:r>
-            <a:r>
-              <a:rPr lang="en-US" dirty="0" err="1"/>
-              <a:t>Hattab</a:t>
-            </a:r>
-            <a:r>
-              <a:rPr lang="en-US" dirty="0"/>
-              <a:t>, G. Mushroom data creation, curation, and simulation to support classification tasks. </a:t>
-            </a:r>
-            <a:r>
-              <a:rPr lang="en-US" i="1" dirty="0"/>
-              <a:t>Sci Rep</a:t>
-            </a:r>
-            <a:r>
-              <a:rPr lang="en-US" dirty="0"/>
+              <a:rPr lang="it-IT" dirty="0" err="1">
+                <a:solidFill>
+                  <a:srgbClr val="FF0000"/>
+                </a:solidFill>
+              </a:rPr>
+              <a:t>trying</a:t>
+            </a:r>
+            <a:r>
+              <a:rPr lang="it-IT" dirty="0">
+                <a:solidFill>
+                  <a:srgbClr val="FF0000"/>
+                </a:solidFill>
+              </a:rPr>
+              <a:t> to build a Machine Learning models in order to </a:t>
+            </a:r>
+            <a:r>
+              <a:rPr lang="it-IT" dirty="0" err="1">
+                <a:solidFill>
+                  <a:srgbClr val="FF0000"/>
+                </a:solidFill>
+              </a:rPr>
+              <a:t>predict</a:t>
+            </a:r>
+            <a:r>
+              <a:rPr lang="it-IT" dirty="0">
+                <a:solidFill>
+                  <a:srgbClr val="FF0000"/>
+                </a:solidFill>
+              </a:rPr>
+              <a:t>, </a:t>
+            </a:r>
+            <a:r>
+              <a:rPr lang="it-IT" dirty="0" err="1">
+                <a:solidFill>
+                  <a:srgbClr val="FF0000"/>
+                </a:solidFill>
+              </a:rPr>
+              <a:t>based</a:t>
+            </a:r>
+            <a:r>
+              <a:rPr lang="it-IT" dirty="0">
+                <a:solidFill>
+                  <a:srgbClr val="FF0000"/>
+                </a:solidFill>
+              </a:rPr>
+              <a:t> on the </a:t>
+            </a:r>
+            <a:r>
+              <a:rPr lang="it-IT" dirty="0" err="1">
+                <a:solidFill>
+                  <a:srgbClr val="FF0000"/>
+                </a:solidFill>
+              </a:rPr>
+              <a:t>charaìcteristics</a:t>
+            </a:r>
+            <a:r>
+              <a:rPr lang="it-IT" dirty="0">
+                <a:solidFill>
+                  <a:srgbClr val="FF0000"/>
+                </a:solidFill>
+              </a:rPr>
+              <a:t> of the </a:t>
+            </a:r>
+            <a:r>
+              <a:rPr lang="it-IT" dirty="0" err="1">
+                <a:solidFill>
+                  <a:srgbClr val="FF0000"/>
+                </a:solidFill>
+              </a:rPr>
+              <a:t>mushroom</a:t>
+            </a:r>
+            <a:r>
+              <a:rPr lang="it-IT" dirty="0">
+                <a:solidFill>
+                  <a:srgbClr val="FF0000"/>
+                </a:solidFill>
+              </a:rPr>
+              <a:t>, </a:t>
+            </a:r>
+            <a:r>
+              <a:rPr lang="it-IT" dirty="0" err="1">
+                <a:solidFill>
+                  <a:srgbClr val="FF0000"/>
+                </a:solidFill>
+              </a:rPr>
+              <a:t>whether</a:t>
+            </a:r>
+            <a:r>
+              <a:rPr lang="it-IT" dirty="0">
+                <a:solidFill>
+                  <a:srgbClr val="FF0000"/>
+                </a:solidFill>
+              </a:rPr>
               <a:t> </a:t>
             </a:r>
             <a:r>
-              <a:rPr lang="en-US" b="1" dirty="0"/>
-              <a:t>11, </a:t>
-            </a:r>
-            <a:r>
-              <a:rPr lang="en-US" dirty="0"/>
-              <a:t>8134 (2021). </a:t>
-            </a:r>
-          </a:p>
-          <a:p>
-            <a:pPr algn="l"/>
-            <a:r>
-              <a:rPr lang="en-US" dirty="0">
-                <a:hlinkClick r:id="rId3"/>
-              </a:rPr>
-              <a:t>https://doi.org/10.1038/s41598-021-87602-3</a:t>
-            </a:r>
-            <a:endParaRPr lang="en-US" dirty="0"/>
-          </a:p>
-          <a:p>
-            <a:pPr algn="l"/>
-            <a:endParaRPr lang="en-US" dirty="0"/>
-          </a:p>
-          <a:p>
-            <a:pPr algn="l"/>
-            <a:endParaRPr lang="en-US" dirty="0"/>
-          </a:p>
-          <a:p>
-            <a:pPr algn="l"/>
-            <a:r>
-              <a:rPr lang="en-US" sz="1800" b="1" i="0" u="none" strike="noStrike" baseline="0" dirty="0">
-                <a:latin typeface="Corbel-Bold"/>
-              </a:rPr>
-              <a:t>Predicting if a set of mushrooms is edible or not corresponds to the task of classifying them into two groups—edible or poisonous—on the basis of a classification rule.</a:t>
-            </a:r>
-            <a:endParaRPr lang="it-IT" dirty="0"/>
+              <a:rPr lang="it-IT" dirty="0" err="1">
+                <a:solidFill>
+                  <a:srgbClr val="FF0000"/>
+                </a:solidFill>
+              </a:rPr>
+              <a:t>it</a:t>
+            </a:r>
+            <a:r>
+              <a:rPr lang="it-IT" dirty="0">
+                <a:solidFill>
+                  <a:srgbClr val="FF0000"/>
+                </a:solidFill>
+              </a:rPr>
+              <a:t> </a:t>
+            </a:r>
+            <a:r>
+              <a:rPr lang="it-IT" dirty="0" err="1">
+                <a:solidFill>
+                  <a:srgbClr val="FF0000"/>
+                </a:solidFill>
+              </a:rPr>
+              <a:t>is</a:t>
+            </a:r>
+            <a:r>
+              <a:rPr lang="it-IT" dirty="0">
+                <a:solidFill>
+                  <a:srgbClr val="FF0000"/>
+                </a:solidFill>
+              </a:rPr>
+              <a:t> </a:t>
+            </a:r>
+            <a:r>
+              <a:rPr lang="it-IT" dirty="0" err="1">
+                <a:solidFill>
+                  <a:srgbClr val="FF0000"/>
+                </a:solidFill>
+              </a:rPr>
+              <a:t>edible</a:t>
+            </a:r>
+            <a:r>
+              <a:rPr lang="it-IT" dirty="0">
+                <a:solidFill>
+                  <a:srgbClr val="FF0000"/>
+                </a:solidFill>
+              </a:rPr>
+              <a:t> or </a:t>
+            </a:r>
+            <a:r>
+              <a:rPr lang="it-IT" dirty="0" err="1">
+                <a:solidFill>
+                  <a:srgbClr val="FF0000"/>
+                </a:solidFill>
+              </a:rPr>
+              <a:t>not</a:t>
+            </a:r>
+            <a:r>
+              <a:rPr lang="it-IT" dirty="0">
+                <a:solidFill>
+                  <a:srgbClr val="FF0000"/>
+                </a:solidFill>
+              </a:rPr>
+              <a:t>.</a:t>
+            </a:r>
           </a:p>
         </p:txBody>
       </p:sp>
     </p:spTree>
     <p:extLst>
       <p:ext uri="{BB962C8B-B14F-4D97-AF65-F5344CB8AC3E}">
-        <p14:creationId xmlns:p14="http://schemas.microsoft.com/office/powerpoint/2010/main" val="3233690073"/>
+        <p14:creationId xmlns:p14="http://schemas.microsoft.com/office/powerpoint/2010/main" val="1705997519"/>
       </p:ext>
     </p:extLst>
   </p:cSld>
   <p:clrMapOvr>
     <a:masterClrMapping/>
   </p:clrMapOvr>
+  <p:extLst>
+    <p:ext uri="{6950BFC3-D8DA-4A85-94F7-54DA5524770B}">
+      <p188:commentRel xmlns:p188="http://schemas.microsoft.com/office/powerpoint/2018/8/main" r:id="rId2"/>
+    </p:ext>
+  </p:extLst>
 </p:sld>
 </file>
 
@@ -3926,219 +4481,6 @@
           <p:cNvPr id="4" name="CasellaDiTesto 3">
             <a:extLst>
               <a:ext uri="{FF2B5EF4-FFF2-40B4-BE49-F238E27FC236}">
-                <a16:creationId xmlns:a16="http://schemas.microsoft.com/office/drawing/2014/main" id="{E5BD206A-1A4E-4099-95A3-C6B4B25710F2}"/>
-              </a:ext>
-            </a:extLst>
-          </p:cNvPr>
-          <p:cNvSpPr txBox="1"/>
-          <p:nvPr/>
-        </p:nvSpPr>
-        <p:spPr>
-          <a:xfrm>
-            <a:off x="3657599" y="803564"/>
-            <a:ext cx="5306294" cy="707886"/>
-          </a:xfrm>
-          <a:prstGeom prst="rect">
-            <a:avLst/>
-          </a:prstGeom>
-          <a:noFill/>
-        </p:spPr>
-        <p:txBody>
-          <a:bodyPr wrap="square" rtlCol="0">
-            <a:spAutoFit/>
-          </a:bodyPr>
-          <a:lstStyle/>
-          <a:p>
-            <a:r>
-              <a:rPr lang="it-IT" sz="4000" dirty="0" err="1"/>
-              <a:t>Motivation</a:t>
-            </a:r>
-            <a:r>
-              <a:rPr lang="it-IT" sz="4000" dirty="0"/>
-              <a:t>/Obiettivi</a:t>
-            </a:r>
-          </a:p>
-        </p:txBody>
-      </p:sp>
-      <p:sp>
-        <p:nvSpPr>
-          <p:cNvPr id="7" name="CasellaDiTesto 6">
-            <a:extLst>
-              <a:ext uri="{FF2B5EF4-FFF2-40B4-BE49-F238E27FC236}">
-                <a16:creationId xmlns:a16="http://schemas.microsoft.com/office/drawing/2014/main" id="{ABAF1544-5966-4C13-BB57-4B51DBFF818C}"/>
-              </a:ext>
-            </a:extLst>
-          </p:cNvPr>
-          <p:cNvSpPr txBox="1"/>
-          <p:nvPr/>
-        </p:nvSpPr>
-        <p:spPr>
-          <a:xfrm>
-            <a:off x="526472" y="1962789"/>
-            <a:ext cx="11014364" cy="3139321"/>
-          </a:xfrm>
-          <a:prstGeom prst="rect">
-            <a:avLst/>
-          </a:prstGeom>
-          <a:noFill/>
-        </p:spPr>
-        <p:txBody>
-          <a:bodyPr wrap="square" rtlCol="0">
-            <a:spAutoFit/>
-          </a:bodyPr>
-          <a:lstStyle/>
-          <a:p>
-            <a:r>
-              <a:rPr lang="it-IT" dirty="0"/>
-              <a:t>I nostri obiettivi sono:</a:t>
-            </a:r>
-          </a:p>
-          <a:p>
-            <a:r>
-              <a:rPr lang="en-US" i="1" dirty="0">
-                <a:latin typeface="MinionPro-Regular"/>
-              </a:rPr>
-              <a:t>OUR</a:t>
-            </a:r>
-            <a:r>
-              <a:rPr lang="en-US" b="0" i="1" u="none" strike="noStrike" baseline="0" dirty="0">
-                <a:latin typeface="MinionPro-Regular"/>
-              </a:rPr>
-              <a:t> MOTIVATION</a:t>
-            </a:r>
-          </a:p>
-          <a:p>
-            <a:pPr marL="285750" indent="-285750">
-              <a:buFontTx/>
-              <a:buChar char="-"/>
-            </a:pPr>
-            <a:r>
-              <a:rPr lang="en-US" b="0" i="1" u="none" strike="noStrike" baseline="0" dirty="0">
-                <a:latin typeface="MinionPro-Regular"/>
-              </a:rPr>
-              <a:t>The reason why we chose this paper is the</a:t>
-            </a:r>
-            <a:r>
-              <a:rPr lang="en-US" i="1" u="none" strike="noStrike" baseline="0" dirty="0">
-                <a:latin typeface="MinionPro-Regular"/>
-              </a:rPr>
-              <a:t> peculiarity of mushrooms</a:t>
-            </a:r>
-            <a:r>
-              <a:rPr lang="en-US" b="0" i="1" u="none" strike="noStrike" baseline="0" dirty="0">
-                <a:latin typeface="MinionPro-Regular"/>
-              </a:rPr>
-              <a:t> classification in the real word, which is a problem existing in nature that is easier to be solved with machine learning techniques.</a:t>
-            </a:r>
-          </a:p>
-          <a:p>
-            <a:pPr marL="285750" indent="-285750">
-              <a:buFontTx/>
-              <a:buChar char="-"/>
-            </a:pPr>
-            <a:endParaRPr lang="en-US" i="1" dirty="0">
-              <a:latin typeface="MinionPro-Regular"/>
-            </a:endParaRPr>
-          </a:p>
-          <a:p>
-            <a:pPr marL="285750" indent="-285750">
-              <a:buFontTx/>
-              <a:buChar char="-"/>
-            </a:pPr>
-            <a:endParaRPr lang="en-US" b="0" i="1" u="none" strike="noStrike" baseline="0" dirty="0">
-              <a:latin typeface="MinionPro-Regular"/>
-            </a:endParaRPr>
-          </a:p>
-          <a:p>
-            <a:r>
-              <a:rPr lang="en-US" i="1" dirty="0">
-                <a:latin typeface="MinionPro-Regular"/>
-              </a:rPr>
-              <a:t>OUR MAIN OBJECTIVES:</a:t>
-            </a:r>
-            <a:endParaRPr lang="en-US" b="0" i="1" u="none" strike="noStrike" baseline="0" dirty="0">
-              <a:latin typeface="MinionPro-Regular"/>
-            </a:endParaRPr>
-          </a:p>
-          <a:p>
-            <a:pPr marL="285750" indent="-285750" algn="l">
-              <a:buFontTx/>
-              <a:buChar char="-"/>
-            </a:pPr>
-            <a:r>
-              <a:rPr lang="en-US" b="0" i="1" u="none" strike="noStrike" baseline="0" dirty="0">
-                <a:latin typeface="MinionPro-Regular"/>
-              </a:rPr>
-              <a:t>Crafting a workflow for </a:t>
-            </a:r>
-            <a:r>
-              <a:rPr lang="en-US" i="1" dirty="0">
-                <a:latin typeface="MinionPro-Regular"/>
-              </a:rPr>
-              <a:t>the aim of </a:t>
-            </a:r>
-            <a:r>
-              <a:rPr lang="en-US" b="0" i="1" u="none" strike="noStrike" baseline="0" dirty="0">
-                <a:latin typeface="MinionPro-Regular"/>
-              </a:rPr>
-              <a:t>binary classification and evaluation with the task to distinguish between poisonous and edible mushrooms. </a:t>
-            </a:r>
-          </a:p>
-          <a:p>
-            <a:pPr marL="285750" indent="-285750" algn="l">
-              <a:buFontTx/>
-              <a:buChar char="-"/>
-            </a:pPr>
-            <a:r>
-              <a:rPr lang="en-US" b="0" i="1" u="none" strike="noStrike" baseline="0" dirty="0">
-                <a:latin typeface="MinionPro-Regular"/>
-              </a:rPr>
-              <a:t>To accomplish this goals w</a:t>
-            </a:r>
-            <a:r>
-              <a:rPr lang="en-US" i="1" dirty="0">
-                <a:latin typeface="MinionPro-Regular"/>
-              </a:rPr>
-              <a:t>e use more types of classifiers to explore different approaches to try achieve better results compare to the ones obtained in the paper.</a:t>
-            </a:r>
-          </a:p>
-        </p:txBody>
-      </p:sp>
-    </p:spTree>
-    <p:extLst>
-      <p:ext uri="{BB962C8B-B14F-4D97-AF65-F5344CB8AC3E}">
-        <p14:creationId xmlns:p14="http://schemas.microsoft.com/office/powerpoint/2010/main" val="1705997519"/>
-      </p:ext>
-    </p:extLst>
-  </p:cSld>
-  <p:clrMapOvr>
-    <a:masterClrMapping/>
-  </p:clrMapOvr>
-</p:sld>
-</file>
-
-<file path=ppt/slides/slide5.xml><?xml version="1.0" encoding="utf-8"?>
-<p:sld xmlns:a="http://schemas.openxmlformats.org/drawingml/2006/main" xmlns:r="http://schemas.openxmlformats.org/officeDocument/2006/relationships" xmlns:p="http://schemas.openxmlformats.org/presentationml/2006/main">
-  <p:cSld>
-    <p:spTree>
-      <p:nvGrpSpPr>
-        <p:cNvPr id="1" name=""/>
-        <p:cNvGrpSpPr/>
-        <p:nvPr/>
-      </p:nvGrpSpPr>
-      <p:grpSpPr>
-        <a:xfrm>
-          <a:off x="0" y="0"/>
-          <a:ext cx="0" cy="0"/>
-          <a:chOff x="0" y="0"/>
-          <a:chExt cx="0" cy="0"/>
-        </a:xfrm>
-      </p:grpSpPr>
-      <p:sp>
-        <p:nvSpPr>
-          <p:cNvPr id="4" name="CasellaDiTesto 3">
-            <a:extLst>
-              <a:ext uri="{FF2B5EF4-FFF2-40B4-BE49-F238E27FC236}">
                 <a16:creationId xmlns:a16="http://schemas.microsoft.com/office/drawing/2014/main" id="{8980E126-3C32-49AC-8C87-AFDD5D015944}"/>
               </a:ext>
             </a:extLst>
@@ -4191,7 +4533,7 @@
         <p:spPr>
           <a:xfrm>
             <a:off x="554182" y="1787236"/>
-            <a:ext cx="8437418" cy="923330"/>
+            <a:ext cx="9910618" cy="923330"/>
           </a:xfrm>
           <a:prstGeom prst="rect">
             <a:avLst/>
@@ -4218,7 +4560,15 @@
           <a:p>
             <a:r>
               <a:rPr lang="en-US" dirty="0"/>
-              <a:t>The dataset used consists of 20 variables, as the following: (n = nominal, m = metrical)</a:t>
+              <a:t>The dataset used consists of 20 variables, as the following (n = nominal, m = metrical) </a:t>
+            </a:r>
+            <a:r>
+              <a:rPr lang="en-US"/>
+              <a:t>and 8124 </a:t>
+            </a:r>
+            <a:r>
+              <a:rPr lang="en-US" dirty="0"/>
+              <a:t>records: </a:t>
             </a:r>
           </a:p>
         </p:txBody>
@@ -4616,7 +4966,7 @@
 </p:sld>
 </file>
 
-<file path=ppt/slides/slide6.xml><?xml version="1.0" encoding="utf-8"?>
+<file path=ppt/slides/slide5.xml><?xml version="1.0" encoding="utf-8"?>
 <p:sld xmlns:a="http://schemas.openxmlformats.org/drawingml/2006/main" xmlns:r="http://schemas.openxmlformats.org/officeDocument/2006/relationships" xmlns:p="http://schemas.openxmlformats.org/presentationml/2006/main">
   <p:cSld>
     <p:spTree>
@@ -5329,8 +5679,8 @@
         </p:nvCxnSpPr>
         <p:spPr>
           <a:xfrm>
-            <a:off x="8835740" y="2223654"/>
-            <a:ext cx="772387" cy="0"/>
+            <a:off x="8783781" y="2223654"/>
+            <a:ext cx="824346" cy="0"/>
           </a:xfrm>
           <a:prstGeom prst="straightConnector1">
             <a:avLst/>
@@ -5453,6 +5803,228 @@
 </p:sld>
 </file>
 
+<file path=ppt/slides/slide6.xml><?xml version="1.0" encoding="utf-8"?>
+<p:sld xmlns:a="http://schemas.openxmlformats.org/drawingml/2006/main" xmlns:r="http://schemas.openxmlformats.org/officeDocument/2006/relationships" xmlns:p="http://schemas.openxmlformats.org/presentationml/2006/main">
+  <p:cSld>
+    <p:spTree>
+      <p:nvGrpSpPr>
+        <p:cNvPr id="1" name=""/>
+        <p:cNvGrpSpPr/>
+        <p:nvPr/>
+      </p:nvGrpSpPr>
+      <p:grpSpPr>
+        <a:xfrm>
+          <a:off x="0" y="0"/>
+          <a:ext cx="0" cy="0"/>
+          <a:chOff x="0" y="0"/>
+          <a:chExt cx="0" cy="0"/>
+        </a:xfrm>
+      </p:grpSpPr>
+      <p:sp>
+        <p:nvSpPr>
+          <p:cNvPr id="4" name="CasellaDiTesto 3">
+            <a:extLst>
+              <a:ext uri="{FF2B5EF4-FFF2-40B4-BE49-F238E27FC236}">
+                <a16:creationId xmlns:a16="http://schemas.microsoft.com/office/drawing/2014/main" id="{5996A155-C704-4B43-A536-B726434F7AC4}"/>
+              </a:ext>
+            </a:extLst>
+          </p:cNvPr>
+          <p:cNvSpPr txBox="1"/>
+          <p:nvPr/>
+        </p:nvSpPr>
+        <p:spPr>
+          <a:xfrm>
+            <a:off x="4170217" y="304800"/>
+            <a:ext cx="4281055" cy="707886"/>
+          </a:xfrm>
+          <a:prstGeom prst="rect">
+            <a:avLst/>
+          </a:prstGeom>
+          <a:noFill/>
+        </p:spPr>
+        <p:txBody>
+          <a:bodyPr wrap="square" rtlCol="0">
+            <a:spAutoFit/>
+          </a:bodyPr>
+          <a:lstStyle>
+            <a:defPPr>
+              <a:defRPr lang="it-IT"/>
+            </a:defPPr>
+            <a:lvl1pPr>
+              <a:defRPr sz="4000"/>
+            </a:lvl1pPr>
+          </a:lstStyle>
+          <a:p>
+            <a:r>
+              <a:rPr lang="it-IT" dirty="0" err="1">
+                <a:effectLst/>
+                <a:latin typeface="Arial" panose="020B0604020202020204" pitchFamily="34" charset="0"/>
+              </a:rPr>
+              <a:t>Expected</a:t>
+            </a:r>
+            <a:r>
+              <a:rPr lang="it-IT" dirty="0">
+                <a:effectLst/>
+                <a:latin typeface="Arial" panose="020B0604020202020204" pitchFamily="34" charset="0"/>
+              </a:rPr>
+              <a:t> output</a:t>
+            </a:r>
+            <a:endParaRPr lang="it-IT" dirty="0"/>
+          </a:p>
+        </p:txBody>
+      </p:sp>
+      <p:sp>
+        <p:nvSpPr>
+          <p:cNvPr id="2" name="CasellaDiTesto 1">
+            <a:extLst>
+              <a:ext uri="{FF2B5EF4-FFF2-40B4-BE49-F238E27FC236}">
+                <a16:creationId xmlns:a16="http://schemas.microsoft.com/office/drawing/2014/main" id="{8ADB85C5-2617-4E15-A8F0-7ABF8DD088BB}"/>
+              </a:ext>
+            </a:extLst>
+          </p:cNvPr>
+          <p:cNvSpPr txBox="1"/>
+          <p:nvPr/>
+        </p:nvSpPr>
+        <p:spPr>
+          <a:xfrm>
+            <a:off x="740228" y="1683657"/>
+            <a:ext cx="10711543" cy="830997"/>
+          </a:xfrm>
+          <a:prstGeom prst="rect">
+            <a:avLst/>
+          </a:prstGeom>
+          <a:noFill/>
+        </p:spPr>
+        <p:txBody>
+          <a:bodyPr wrap="square" rtlCol="0">
+            <a:spAutoFit/>
+          </a:bodyPr>
+          <a:lstStyle/>
+          <a:p>
+            <a:r>
+              <a:rPr lang="it-IT" sz="2400" dirty="0"/>
+              <a:t>The </a:t>
+            </a:r>
+            <a:r>
+              <a:rPr lang="it-IT" sz="2400" dirty="0" err="1"/>
+              <a:t>results</a:t>
+            </a:r>
+            <a:r>
+              <a:rPr lang="it-IT" sz="2400" dirty="0"/>
+              <a:t> </a:t>
+            </a:r>
+            <a:r>
+              <a:rPr lang="it-IT" sz="2400" dirty="0" err="1"/>
+              <a:t>we</a:t>
+            </a:r>
+            <a:r>
+              <a:rPr lang="it-IT" sz="2400" dirty="0"/>
+              <a:t> </a:t>
+            </a:r>
+            <a:r>
+              <a:rPr lang="it-IT" sz="2400" dirty="0" err="1"/>
+              <a:t>want</a:t>
+            </a:r>
+            <a:r>
+              <a:rPr lang="it-IT" sz="2400" dirty="0"/>
+              <a:t> to </a:t>
+            </a:r>
+            <a:r>
+              <a:rPr lang="it-IT" sz="2400" dirty="0" err="1"/>
+              <a:t>achieve</a:t>
+            </a:r>
+            <a:r>
+              <a:rPr lang="it-IT" sz="2400" dirty="0"/>
+              <a:t> </a:t>
+            </a:r>
+            <a:r>
+              <a:rPr lang="it-IT" sz="2400" dirty="0" err="1"/>
+              <a:t>is</a:t>
+            </a:r>
+            <a:r>
+              <a:rPr lang="it-IT" sz="2400" dirty="0"/>
+              <a:t> to </a:t>
+            </a:r>
+            <a:r>
+              <a:rPr lang="it-IT" sz="2400" dirty="0" err="1"/>
+              <a:t>better</a:t>
+            </a:r>
+            <a:r>
+              <a:rPr lang="it-IT" sz="2400" dirty="0"/>
+              <a:t> </a:t>
+            </a:r>
+            <a:r>
+              <a:rPr lang="it-IT" sz="2400" dirty="0" err="1"/>
+              <a:t>classify</a:t>
+            </a:r>
+            <a:r>
+              <a:rPr lang="it-IT" sz="2400" dirty="0"/>
+              <a:t> the nature of </a:t>
+            </a:r>
+            <a:r>
+              <a:rPr lang="it-IT" sz="2400" dirty="0" err="1"/>
+              <a:t>mushrooms</a:t>
+            </a:r>
+            <a:r>
+              <a:rPr lang="it-IT" sz="2400" dirty="0"/>
+              <a:t> and to </a:t>
+            </a:r>
+            <a:r>
+              <a:rPr lang="it-IT" sz="2400" dirty="0" err="1"/>
+              <a:t>improve</a:t>
+            </a:r>
+            <a:r>
+              <a:rPr lang="it-IT" sz="2400" dirty="0"/>
+              <a:t> the </a:t>
+            </a:r>
+            <a:r>
+              <a:rPr lang="it-IT" sz="2400" dirty="0" err="1"/>
+              <a:t>results</a:t>
+            </a:r>
+            <a:r>
+              <a:rPr lang="it-IT" sz="2400" dirty="0"/>
+              <a:t> </a:t>
+            </a:r>
+            <a:r>
+              <a:rPr lang="it-IT" sz="2400" dirty="0" err="1"/>
+              <a:t>obtained</a:t>
+            </a:r>
+            <a:r>
+              <a:rPr lang="it-IT" sz="2400" dirty="0"/>
+              <a:t> by </a:t>
+            </a:r>
+            <a:r>
+              <a:rPr lang="it-IT" sz="2400" dirty="0" err="1"/>
+              <a:t>exploiting</a:t>
+            </a:r>
+            <a:r>
+              <a:rPr lang="it-IT" sz="2400" dirty="0"/>
+              <a:t> </a:t>
+            </a:r>
+            <a:r>
+              <a:rPr lang="it-IT" sz="2400" dirty="0" err="1"/>
+              <a:t>further</a:t>
+            </a:r>
+            <a:r>
+              <a:rPr lang="it-IT" sz="2400" dirty="0"/>
+              <a:t> Machine Learning techniques.</a:t>
+            </a:r>
+          </a:p>
+        </p:txBody>
+      </p:sp>
+    </p:spTree>
+    <p:extLst>
+      <p:ext uri="{BB962C8B-B14F-4D97-AF65-F5344CB8AC3E}">
+        <p14:creationId xmlns:p14="http://schemas.microsoft.com/office/powerpoint/2010/main" val="1297468428"/>
+      </p:ext>
+    </p:extLst>
+  </p:cSld>
+  <p:clrMapOvr>
+    <a:masterClrMapping/>
+  </p:clrMapOvr>
+</p:sld>
+</file>
+
 <file path=ppt/slides/slide7.xml><?xml version="1.0" encoding="utf-8"?>
 <p:sld xmlns:a="http://schemas.openxmlformats.org/drawingml/2006/main" xmlns:r="http://schemas.openxmlformats.org/officeDocument/2006/relationships" xmlns:p="http://schemas.openxmlformats.org/presentationml/2006/main">
   <p:cSld>
@@ -5506,27 +6078,380 @@
           </a:lstStyle>
           <a:p>
             <a:r>
-              <a:rPr lang="it-IT" dirty="0" err="1">
-                <a:effectLst/>
-                <a:latin typeface="Arial" panose="020B0604020202020204" pitchFamily="34" charset="0"/>
-              </a:rPr>
-              <a:t>Expected</a:t>
-            </a:r>
-            <a:r>
               <a:rPr lang="it-IT" dirty="0">
                 <a:effectLst/>
                 <a:latin typeface="Arial" panose="020B0604020202020204" pitchFamily="34" charset="0"/>
               </a:rPr>
-              <a:t> output</a:t>
+              <a:t>Work Distribution</a:t>
             </a:r>
             <a:endParaRPr lang="it-IT" dirty="0"/>
+          </a:p>
+        </p:txBody>
+      </p:sp>
+      <p:sp>
+        <p:nvSpPr>
+          <p:cNvPr id="2" name="CasellaDiTesto 1">
+            <a:extLst>
+              <a:ext uri="{FF2B5EF4-FFF2-40B4-BE49-F238E27FC236}">
+                <a16:creationId xmlns:a16="http://schemas.microsoft.com/office/drawing/2014/main" id="{76A595BE-CECB-4BA6-8949-2B7B6CB34DBC}"/>
+              </a:ext>
+            </a:extLst>
+          </p:cNvPr>
+          <p:cNvSpPr txBox="1"/>
+          <p:nvPr/>
+        </p:nvSpPr>
+        <p:spPr>
+          <a:xfrm>
+            <a:off x="4045528" y="1559249"/>
+            <a:ext cx="8146472" cy="646331"/>
+          </a:xfrm>
+          <a:prstGeom prst="rect">
+            <a:avLst/>
+          </a:prstGeom>
+          <a:noFill/>
+        </p:spPr>
+        <p:txBody>
+          <a:bodyPr wrap="square" rtlCol="0">
+            <a:spAutoFit/>
+          </a:bodyPr>
+          <a:lstStyle/>
+          <a:p>
+            <a:r>
+              <a:rPr lang="it-IT" dirty="0"/>
+              <a:t>The work </a:t>
+            </a:r>
+            <a:r>
+              <a:rPr lang="it-IT" dirty="0" err="1"/>
+              <a:t>will</a:t>
+            </a:r>
+            <a:r>
+              <a:rPr lang="it-IT" dirty="0"/>
+              <a:t> be </a:t>
+            </a:r>
+            <a:r>
+              <a:rPr lang="it-IT" dirty="0" err="1"/>
+              <a:t>distributed</a:t>
+            </a:r>
+            <a:r>
+              <a:rPr lang="it-IT" dirty="0"/>
+              <a:t> </a:t>
+            </a:r>
+            <a:r>
+              <a:rPr lang="it-IT" dirty="0" err="1"/>
+              <a:t>as</a:t>
+            </a:r>
+            <a:r>
+              <a:rPr lang="it-IT" dirty="0"/>
+              <a:t> follow:</a:t>
+            </a:r>
+          </a:p>
+          <a:p>
+            <a:endParaRPr lang="it-IT" dirty="0"/>
+          </a:p>
+        </p:txBody>
+      </p:sp>
+      <p:sp>
+        <p:nvSpPr>
+          <p:cNvPr id="5" name="CasellaDiTesto 4">
+            <a:extLst>
+              <a:ext uri="{FF2B5EF4-FFF2-40B4-BE49-F238E27FC236}">
+                <a16:creationId xmlns:a16="http://schemas.microsoft.com/office/drawing/2014/main" id="{423BFD1D-6543-4FA5-B797-0E395765E085}"/>
+              </a:ext>
+            </a:extLst>
+          </p:cNvPr>
+          <p:cNvSpPr txBox="1"/>
+          <p:nvPr/>
+        </p:nvSpPr>
+        <p:spPr>
+          <a:xfrm>
+            <a:off x="1117600" y="2782669"/>
+            <a:ext cx="2481943" cy="369332"/>
+          </a:xfrm>
+          <a:prstGeom prst="rect">
+            <a:avLst/>
+          </a:prstGeom>
+          <a:noFill/>
+        </p:spPr>
+        <p:txBody>
+          <a:bodyPr wrap="square" rtlCol="0">
+            <a:spAutoFit/>
+          </a:bodyPr>
+          <a:lstStyle/>
+          <a:p>
+            <a:r>
+              <a:rPr lang="it-IT" dirty="0"/>
+              <a:t>Data </a:t>
+            </a:r>
+            <a:r>
+              <a:rPr lang="it-IT" dirty="0" err="1"/>
+              <a:t>Cleaning</a:t>
+            </a:r>
+            <a:endParaRPr lang="it-IT" dirty="0"/>
+          </a:p>
+        </p:txBody>
+      </p:sp>
+      <p:sp>
+        <p:nvSpPr>
+          <p:cNvPr id="6" name="CasellaDiTesto 5">
+            <a:extLst>
+              <a:ext uri="{FF2B5EF4-FFF2-40B4-BE49-F238E27FC236}">
+                <a16:creationId xmlns:a16="http://schemas.microsoft.com/office/drawing/2014/main" id="{5ACEA93B-053C-4833-B6F7-BE779EE6924E}"/>
+              </a:ext>
+            </a:extLst>
+          </p:cNvPr>
+          <p:cNvSpPr txBox="1"/>
+          <p:nvPr/>
+        </p:nvSpPr>
+        <p:spPr>
+          <a:xfrm>
+            <a:off x="4599709" y="2782669"/>
+            <a:ext cx="2481943" cy="369332"/>
+          </a:xfrm>
+          <a:prstGeom prst="rect">
+            <a:avLst/>
+          </a:prstGeom>
+          <a:noFill/>
+        </p:spPr>
+        <p:txBody>
+          <a:bodyPr wrap="square" rtlCol="0">
+            <a:spAutoFit/>
+          </a:bodyPr>
+          <a:lstStyle/>
+          <a:p>
+            <a:r>
+              <a:rPr lang="it-IT" dirty="0" err="1"/>
+              <a:t>Applying</a:t>
+            </a:r>
+            <a:r>
+              <a:rPr lang="it-IT" dirty="0"/>
+              <a:t> ML techniques</a:t>
+            </a:r>
+          </a:p>
+        </p:txBody>
+      </p:sp>
+      <p:sp>
+        <p:nvSpPr>
+          <p:cNvPr id="7" name="CasellaDiTesto 6">
+            <a:extLst>
+              <a:ext uri="{FF2B5EF4-FFF2-40B4-BE49-F238E27FC236}">
+                <a16:creationId xmlns:a16="http://schemas.microsoft.com/office/drawing/2014/main" id="{3CA8B5BF-123B-4032-86A9-1591472F64FF}"/>
+              </a:ext>
+            </a:extLst>
+          </p:cNvPr>
+          <p:cNvSpPr txBox="1"/>
+          <p:nvPr/>
+        </p:nvSpPr>
+        <p:spPr>
+          <a:xfrm>
+            <a:off x="8672945" y="2782669"/>
+            <a:ext cx="2481943" cy="369332"/>
+          </a:xfrm>
+          <a:prstGeom prst="rect">
+            <a:avLst/>
+          </a:prstGeom>
+          <a:noFill/>
+        </p:spPr>
+        <p:txBody>
+          <a:bodyPr wrap="square" rtlCol="0">
+            <a:spAutoFit/>
+          </a:bodyPr>
+          <a:lstStyle/>
+          <a:p>
+            <a:r>
+              <a:rPr lang="it-IT" dirty="0"/>
+              <a:t>Evaluation</a:t>
+            </a:r>
+          </a:p>
+        </p:txBody>
+      </p:sp>
+      <p:sp>
+        <p:nvSpPr>
+          <p:cNvPr id="8" name="CasellaDiTesto 7">
+            <a:extLst>
+              <a:ext uri="{FF2B5EF4-FFF2-40B4-BE49-F238E27FC236}">
+                <a16:creationId xmlns:a16="http://schemas.microsoft.com/office/drawing/2014/main" id="{3B4A35D8-6C92-4F00-9BC9-205B5E39BDC3}"/>
+              </a:ext>
+            </a:extLst>
+          </p:cNvPr>
+          <p:cNvSpPr txBox="1"/>
+          <p:nvPr/>
+        </p:nvSpPr>
+        <p:spPr>
+          <a:xfrm>
+            <a:off x="5249222" y="4865469"/>
+            <a:ext cx="1182915" cy="369332"/>
+          </a:xfrm>
+          <a:prstGeom prst="rect">
+            <a:avLst/>
+          </a:prstGeom>
+          <a:noFill/>
+        </p:spPr>
+        <p:txBody>
+          <a:bodyPr wrap="square" rtlCol="0">
+            <a:spAutoFit/>
+          </a:bodyPr>
+          <a:lstStyle/>
+          <a:p>
+            <a:r>
+              <a:rPr lang="it-IT" dirty="0"/>
+              <a:t>Reporting</a:t>
+            </a:r>
+          </a:p>
+        </p:txBody>
+      </p:sp>
+      <p:sp>
+        <p:nvSpPr>
+          <p:cNvPr id="10" name="CasellaDiTesto 9">
+            <a:extLst>
+              <a:ext uri="{FF2B5EF4-FFF2-40B4-BE49-F238E27FC236}">
+                <a16:creationId xmlns:a16="http://schemas.microsoft.com/office/drawing/2014/main" id="{BD2805B0-03ED-4005-B15D-EB1D64F3FDAC}"/>
+              </a:ext>
+            </a:extLst>
+          </p:cNvPr>
+          <p:cNvSpPr txBox="1"/>
+          <p:nvPr/>
+        </p:nvSpPr>
+        <p:spPr>
+          <a:xfrm>
+            <a:off x="5249221" y="5298751"/>
+            <a:ext cx="1398322" cy="369332"/>
+          </a:xfrm>
+          <a:prstGeom prst="rect">
+            <a:avLst/>
+          </a:prstGeom>
+          <a:noFill/>
+        </p:spPr>
+        <p:txBody>
+          <a:bodyPr wrap="square" rtlCol="0">
+            <a:spAutoFit/>
+          </a:bodyPr>
+          <a:lstStyle/>
+          <a:p>
+            <a:r>
+              <a:rPr lang="it-IT" dirty="0" err="1"/>
+              <a:t>All</a:t>
+            </a:r>
+            <a:r>
+              <a:rPr lang="it-IT" dirty="0"/>
+              <a:t> </a:t>
+            </a:r>
+            <a:r>
+              <a:rPr lang="it-IT" dirty="0" err="1"/>
+              <a:t>together</a:t>
+            </a:r>
+            <a:endParaRPr lang="it-IT" dirty="0"/>
+          </a:p>
+        </p:txBody>
+      </p:sp>
+      <p:sp>
+        <p:nvSpPr>
+          <p:cNvPr id="11" name="CasellaDiTesto 10">
+            <a:extLst>
+              <a:ext uri="{FF2B5EF4-FFF2-40B4-BE49-F238E27FC236}">
+                <a16:creationId xmlns:a16="http://schemas.microsoft.com/office/drawing/2014/main" id="{7121B0B6-EFDF-4BE5-95DF-651E0C9E5B72}"/>
+              </a:ext>
+            </a:extLst>
+          </p:cNvPr>
+          <p:cNvSpPr txBox="1"/>
+          <p:nvPr/>
+        </p:nvSpPr>
+        <p:spPr>
+          <a:xfrm>
+            <a:off x="1294079" y="3244334"/>
+            <a:ext cx="1398322" cy="369332"/>
+          </a:xfrm>
+          <a:prstGeom prst="rect">
+            <a:avLst/>
+          </a:prstGeom>
+          <a:noFill/>
+        </p:spPr>
+        <p:txBody>
+          <a:bodyPr wrap="square" rtlCol="0">
+            <a:spAutoFit/>
+          </a:bodyPr>
+          <a:lstStyle/>
+          <a:p>
+            <a:r>
+              <a:rPr lang="it-IT" dirty="0"/>
+              <a:t>Iman Ras</a:t>
+            </a:r>
+          </a:p>
+        </p:txBody>
+      </p:sp>
+      <p:sp>
+        <p:nvSpPr>
+          <p:cNvPr id="12" name="CasellaDiTesto 11">
+            <a:extLst>
+              <a:ext uri="{FF2B5EF4-FFF2-40B4-BE49-F238E27FC236}">
+                <a16:creationId xmlns:a16="http://schemas.microsoft.com/office/drawing/2014/main" id="{04BA8F79-8FAB-4BC0-8464-CC4662182F24}"/>
+              </a:ext>
+            </a:extLst>
+          </p:cNvPr>
+          <p:cNvSpPr txBox="1"/>
+          <p:nvPr/>
+        </p:nvSpPr>
+        <p:spPr>
+          <a:xfrm>
+            <a:off x="4707411" y="3320480"/>
+            <a:ext cx="2481942" cy="369332"/>
+          </a:xfrm>
+          <a:prstGeom prst="rect">
+            <a:avLst/>
+          </a:prstGeom>
+          <a:noFill/>
+        </p:spPr>
+        <p:txBody>
+          <a:bodyPr wrap="square" rtlCol="0">
+            <a:spAutoFit/>
+          </a:bodyPr>
+          <a:lstStyle/>
+          <a:p>
+            <a:r>
+              <a:rPr lang="it-IT" dirty="0"/>
+              <a:t>Alessandro Maccario</a:t>
+            </a:r>
+          </a:p>
+        </p:txBody>
+      </p:sp>
+      <p:sp>
+        <p:nvSpPr>
+          <p:cNvPr id="13" name="CasellaDiTesto 12">
+            <a:extLst>
+              <a:ext uri="{FF2B5EF4-FFF2-40B4-BE49-F238E27FC236}">
+                <a16:creationId xmlns:a16="http://schemas.microsoft.com/office/drawing/2014/main" id="{0E7E8680-3039-4FC9-841B-E5040DEB8195}"/>
+              </a:ext>
+            </a:extLst>
+          </p:cNvPr>
+          <p:cNvSpPr txBox="1"/>
+          <p:nvPr/>
+        </p:nvSpPr>
+        <p:spPr>
+          <a:xfrm>
+            <a:off x="8186057" y="3336668"/>
+            <a:ext cx="3149600" cy="369332"/>
+          </a:xfrm>
+          <a:prstGeom prst="rect">
+            <a:avLst/>
+          </a:prstGeom>
+          <a:noFill/>
+        </p:spPr>
+        <p:txBody>
+          <a:bodyPr wrap="square" rtlCol="0">
+            <a:spAutoFit/>
+          </a:bodyPr>
+          <a:lstStyle/>
+          <a:p>
+            <a:r>
+              <a:rPr lang="it-IT" dirty="0"/>
+              <a:t>Camilla Vittoria Di Martino</a:t>
+            </a:r>
           </a:p>
         </p:txBody>
       </p:sp>
     </p:spTree>
     <p:extLst>
       <p:ext uri="{BB962C8B-B14F-4D97-AF65-F5344CB8AC3E}">
-        <p14:creationId xmlns:p14="http://schemas.microsoft.com/office/powerpoint/2010/main" val="1297468428"/>
+        <p14:creationId xmlns:p14="http://schemas.microsoft.com/office/powerpoint/2010/main" val="3253715312"/>
       </p:ext>
     </p:extLst>
   </p:cSld>
@@ -5553,115 +6478,46 @@
           <a:chExt cx="0" cy="0"/>
         </a:xfrm>
       </p:grpSpPr>
-      <p:sp>
-        <p:nvSpPr>
-          <p:cNvPr id="4" name="CasellaDiTesto 3">
-            <a:extLst>
-              <a:ext uri="{FF2B5EF4-FFF2-40B4-BE49-F238E27FC236}">
-                <a16:creationId xmlns:a16="http://schemas.microsoft.com/office/drawing/2014/main" id="{5996A155-C704-4B43-A536-B726434F7AC4}"/>
-              </a:ext>
-            </a:extLst>
-          </p:cNvPr>
-          <p:cNvSpPr txBox="1"/>
+      <p:pic>
+        <p:nvPicPr>
+          <p:cNvPr id="7" name="Immagine 6" descr="Immagine che contiene testo, fasianide, galliforme&#10;&#10;Descrizione generata automaticamente">
+            <a:extLst>
+              <a:ext uri="{FF2B5EF4-FFF2-40B4-BE49-F238E27FC236}">
+                <a16:creationId xmlns:a16="http://schemas.microsoft.com/office/drawing/2014/main" id="{07F63F03-A07A-479C-AE32-7808F45C776B}"/>
+              </a:ext>
+            </a:extLst>
+          </p:cNvPr>
+          <p:cNvPicPr>
+            <a:picLocks noChangeAspect="1"/>
+          </p:cNvPicPr>
           <p:nvPr/>
-        </p:nvSpPr>
+        </p:nvPicPr>
+        <p:blipFill>
+          <a:blip r:embed="rId2">
+            <a:extLst>
+              <a:ext uri="{28A0092B-C50C-407E-A947-70E740481C1C}">
+                <a14:useLocalDpi xmlns:a14="http://schemas.microsoft.com/office/drawing/2010/main" val="0"/>
+              </a:ext>
+            </a:extLst>
+          </a:blip>
+          <a:stretch>
+            <a:fillRect/>
+          </a:stretch>
+        </p:blipFill>
         <p:spPr>
           <a:xfrm>
-            <a:off x="4170217" y="304800"/>
-            <a:ext cx="4281055" cy="707886"/>
+            <a:off x="0" y="0"/>
+            <a:ext cx="12192000" cy="6858000"/>
           </a:xfrm>
           <a:prstGeom prst="rect">
             <a:avLst/>
           </a:prstGeom>
-          <a:noFill/>
         </p:spPr>
-        <p:txBody>
-          <a:bodyPr wrap="square" rtlCol="0">
-            <a:spAutoFit/>
-          </a:bodyPr>
-          <a:lstStyle>
-            <a:defPPr>
-              <a:defRPr lang="it-IT"/>
-            </a:defPPr>
-            <a:lvl1pPr>
-              <a:defRPr sz="4000"/>
-            </a:lvl1pPr>
-          </a:lstStyle>
-          <a:p>
-            <a:r>
-              <a:rPr lang="it-IT" dirty="0">
-                <a:effectLst/>
-                <a:latin typeface="Arial" panose="020B0604020202020204" pitchFamily="34" charset="0"/>
-              </a:rPr>
-              <a:t>Work Distribution</a:t>
-            </a:r>
-            <a:endParaRPr lang="it-IT" dirty="0"/>
-          </a:p>
-        </p:txBody>
-      </p:sp>
-      <p:sp>
-        <p:nvSpPr>
-          <p:cNvPr id="2" name="CasellaDiTesto 1">
-            <a:extLst>
-              <a:ext uri="{FF2B5EF4-FFF2-40B4-BE49-F238E27FC236}">
-                <a16:creationId xmlns:a16="http://schemas.microsoft.com/office/drawing/2014/main" id="{76A595BE-CECB-4BA6-8949-2B7B6CB34DBC}"/>
-              </a:ext>
-            </a:extLst>
-          </p:cNvPr>
-          <p:cNvSpPr txBox="1"/>
-          <p:nvPr/>
-        </p:nvSpPr>
-        <p:spPr>
-          <a:xfrm>
-            <a:off x="526473" y="1787236"/>
-            <a:ext cx="8146472" cy="369332"/>
-          </a:xfrm>
-          <a:prstGeom prst="rect">
-            <a:avLst/>
-          </a:prstGeom>
-          <a:noFill/>
-        </p:spPr>
-        <p:txBody>
-          <a:bodyPr wrap="square" rtlCol="0">
-            <a:spAutoFit/>
-          </a:bodyPr>
-          <a:lstStyle/>
-          <a:p>
-            <a:r>
-              <a:rPr lang="it-IT" dirty="0"/>
-              <a:t>The work </a:t>
-            </a:r>
-            <a:r>
-              <a:rPr lang="it-IT" dirty="0" err="1"/>
-              <a:t>will</a:t>
-            </a:r>
-            <a:r>
-              <a:rPr lang="it-IT" dirty="0"/>
-              <a:t> be </a:t>
-            </a:r>
-            <a:r>
-              <a:rPr lang="it-IT" dirty="0" err="1"/>
-              <a:t>distributed</a:t>
-            </a:r>
-            <a:r>
-              <a:rPr lang="it-IT" dirty="0"/>
-              <a:t> </a:t>
-            </a:r>
-            <a:r>
-              <a:rPr lang="it-IT" dirty="0" err="1"/>
-              <a:t>as</a:t>
-            </a:r>
-            <a:r>
-              <a:rPr lang="it-IT" dirty="0"/>
-              <a:t> follow:</a:t>
-            </a:r>
-          </a:p>
-        </p:txBody>
-      </p:sp>
+      </p:pic>
     </p:spTree>
     <p:extLst>
       <p:ext uri="{BB962C8B-B14F-4D97-AF65-F5344CB8AC3E}">
-        <p14:creationId xmlns:p14="http://schemas.microsoft.com/office/powerpoint/2010/main" val="3253715312"/>
+        <p14:creationId xmlns:p14="http://schemas.microsoft.com/office/powerpoint/2010/main" val="1411053358"/>
       </p:ext>
     </p:extLst>
   </p:cSld>
@@ -5690,142 +6546,41 @@
       </p:grpSpPr>
       <p:sp>
         <p:nvSpPr>
-          <p:cNvPr id="4" name="CasellaDiTesto 3">
-            <a:extLst>
-              <a:ext uri="{FF2B5EF4-FFF2-40B4-BE49-F238E27FC236}">
-                <a16:creationId xmlns:a16="http://schemas.microsoft.com/office/drawing/2014/main" id="{5996A155-C704-4B43-A536-B726434F7AC4}"/>
-              </a:ext>
-            </a:extLst>
-          </p:cNvPr>
-          <p:cNvSpPr txBox="1"/>
-          <p:nvPr/>
+          <p:cNvPr id="3" name="Segnaposto contenuto 2">
+            <a:extLst>
+              <a:ext uri="{FF2B5EF4-FFF2-40B4-BE49-F238E27FC236}">
+                <a16:creationId xmlns:a16="http://schemas.microsoft.com/office/drawing/2014/main" id="{46B4BF24-EED1-4CFC-8588-555D546E203A}"/>
+              </a:ext>
+            </a:extLst>
+          </p:cNvPr>
+          <p:cNvSpPr>
+            <a:spLocks noGrp="1"/>
+          </p:cNvSpPr>
+          <p:nvPr>
+            <p:ph idx="1"/>
+          </p:nvPr>
         </p:nvSpPr>
         <p:spPr>
           <a:xfrm>
-            <a:off x="4170217" y="304800"/>
-            <a:ext cx="4281055" cy="707886"/>
+            <a:off x="2202543" y="1825625"/>
+            <a:ext cx="10515600" cy="4351338"/>
           </a:xfrm>
-          <a:prstGeom prst="rect">
-            <a:avLst/>
-          </a:prstGeom>
-          <a:noFill/>
         </p:spPr>
         <p:txBody>
-          <a:bodyPr wrap="square" rtlCol="0">
-            <a:spAutoFit/>
-          </a:bodyPr>
-          <a:lstStyle>
-            <a:defPPr>
-              <a:defRPr lang="it-IT"/>
-            </a:defPPr>
-            <a:lvl1pPr>
-              <a:defRPr sz="4000"/>
-            </a:lvl1pPr>
-          </a:lstStyle>
-          <a:p>
-            <a:r>
-              <a:rPr lang="it-IT" dirty="0">
-                <a:effectLst/>
-                <a:latin typeface="Arial" panose="020B0604020202020204" pitchFamily="34" charset="0"/>
-              </a:rPr>
-              <a:t>CONCLUSION</a:t>
-            </a:r>
-            <a:endParaRPr lang="it-IT" dirty="0"/>
-          </a:p>
-        </p:txBody>
-      </p:sp>
-      <p:sp>
-        <p:nvSpPr>
-          <p:cNvPr id="3" name="CasellaDiTesto 2">
-            <a:extLst>
-              <a:ext uri="{FF2B5EF4-FFF2-40B4-BE49-F238E27FC236}">
-                <a16:creationId xmlns:a16="http://schemas.microsoft.com/office/drawing/2014/main" id="{57467FE7-94FA-4EF9-945F-415E266E8416}"/>
-              </a:ext>
-            </a:extLst>
-          </p:cNvPr>
-          <p:cNvSpPr txBox="1"/>
-          <p:nvPr/>
-        </p:nvSpPr>
-        <p:spPr>
-          <a:xfrm>
-            <a:off x="1953491" y="3075057"/>
-            <a:ext cx="9809018" cy="707886"/>
-          </a:xfrm>
-          <a:prstGeom prst="rect">
-            <a:avLst/>
-          </a:prstGeom>
-          <a:noFill/>
-        </p:spPr>
-        <p:txBody>
-          <a:bodyPr wrap="square" rtlCol="0">
-            <a:spAutoFit/>
-          </a:bodyPr>
-          <a:lstStyle>
-            <a:defPPr>
-              <a:defRPr lang="it-IT"/>
-            </a:defPPr>
-            <a:lvl1pPr>
-              <a:defRPr sz="4000"/>
-            </a:lvl1pPr>
-          </a:lstStyle>
-          <a:p>
-            <a:r>
-              <a:rPr lang="it-IT" dirty="0">
-                <a:effectLst/>
-                <a:latin typeface="Arial" panose="020B0604020202020204" pitchFamily="34" charset="0"/>
-              </a:rPr>
-              <a:t>Thank </a:t>
-            </a:r>
-            <a:r>
-              <a:rPr lang="it-IT" dirty="0" err="1">
-                <a:effectLst/>
-                <a:latin typeface="Arial" panose="020B0604020202020204" pitchFamily="34" charset="0"/>
-              </a:rPr>
-              <a:t>you</a:t>
-            </a:r>
-            <a:r>
-              <a:rPr lang="it-IT" dirty="0">
-                <a:effectLst/>
-                <a:latin typeface="Arial" panose="020B0604020202020204" pitchFamily="34" charset="0"/>
-              </a:rPr>
-              <a:t> for the </a:t>
-            </a:r>
-            <a:r>
-              <a:rPr lang="it-IT" dirty="0" err="1">
-                <a:effectLst/>
-                <a:latin typeface="Arial" panose="020B0604020202020204" pitchFamily="34" charset="0"/>
-              </a:rPr>
-              <a:t>fucking</a:t>
-            </a:r>
-            <a:r>
-              <a:rPr lang="it-IT" dirty="0">
-                <a:effectLst/>
-                <a:latin typeface="Arial" panose="020B0604020202020204" pitchFamily="34" charset="0"/>
-              </a:rPr>
-              <a:t> </a:t>
-            </a:r>
-            <a:r>
-              <a:rPr lang="it-IT" dirty="0" err="1">
-                <a:effectLst/>
-                <a:latin typeface="Arial" panose="020B0604020202020204" pitchFamily="34" charset="0"/>
-              </a:rPr>
-              <a:t>attention</a:t>
-            </a:r>
-            <a:r>
-              <a:rPr lang="it-IT" dirty="0">
-                <a:effectLst/>
-                <a:latin typeface="Arial" panose="020B0604020202020204" pitchFamily="34" charset="0"/>
-              </a:rPr>
-              <a:t>!!!!</a:t>
-            </a:r>
-            <a:endParaRPr lang="it-IT" dirty="0"/>
+          <a:bodyPr/>
+          <a:lstStyle/>
+          <a:p>
+            <a:r>
+              <a:rPr lang="it-IT" dirty="0"/>
+              <a:t>PREPARARE DISCORSO PER DIVIDERE PARTI TRA NOI TRE</a:t>
+            </a:r>
           </a:p>
         </p:txBody>
       </p:sp>
     </p:spTree>
     <p:extLst>
       <p:ext uri="{BB962C8B-B14F-4D97-AF65-F5344CB8AC3E}">
-        <p14:creationId xmlns:p14="http://schemas.microsoft.com/office/powerpoint/2010/main" val="1411053358"/>
+        <p14:creationId xmlns:p14="http://schemas.microsoft.com/office/powerpoint/2010/main" val="130514653"/>
       </p:ext>
     </p:extLst>
   </p:cSld>
